--- a/materials/PPT slides/07 EDABDC - Big Data Tools.pptx
+++ b/materials/PPT slides/07 EDABDC - Big Data Tools.pptx
@@ -5,7 +5,7 @@
     <p:sldMasterId id="2147483648" r:id="rId1"/>
   </p:sldMasterIdLst>
   <p:notesMasterIdLst>
-    <p:notesMasterId r:id="rId14"/>
+    <p:notesMasterId r:id="rId15"/>
   </p:notesMasterIdLst>
   <p:sldIdLst>
     <p:sldId id="256" r:id="rId3"/>
@@ -18,7 +18,8 @@
     <p:sldId id="321" r:id="rId10"/>
     <p:sldId id="322" r:id="rId11"/>
     <p:sldId id="323" r:id="rId12"/>
-    <p:sldId id="314" r:id="rId13"/>
+    <p:sldId id="325" r:id="rId13"/>
+    <p:sldId id="314" r:id="rId14"/>
   </p:sldIdLst>
   <p:sldSz cx="12192000" cy="6858000"/>
   <p:notesSz cx="6858000" cy="9144000"/>
@@ -3524,6 +3525,82 @@
         <p:txBody>
           <a:bodyPr/>
           <a:p>
+            <a:endParaRPr lang="en-GB" altLang="en-US"/>
+          </a:p>
+        </p:txBody>
+      </p:sp>
+      <p:sp>
+        <p:nvSpPr>
+          <p:cNvPr id="3" name="Content Placeholder 2"/>
+          <p:cNvSpPr>
+            <a:spLocks noGrp="1"/>
+          </p:cNvSpPr>
+          <p:nvPr>
+            <p:ph idx="1"/>
+          </p:nvPr>
+        </p:nvSpPr>
+        <p:spPr/>
+        <p:txBody>
+          <a:bodyPr/>
+          <a:p>
+            <a:endParaRPr lang="en-GB" altLang="en-US"/>
+          </a:p>
+        </p:txBody>
+      </p:sp>
+      <p:pic>
+        <p:nvPicPr>
+          <p:cNvPr id="4" name="Picture 3"/>
+          <p:cNvPicPr/>
+          <p:nvPr/>
+        </p:nvPicPr>
+        <p:blipFill>
+          <a:blip r:embed="rId1"/>
+          <a:stretch>
+            <a:fillRect/>
+          </a:stretch>
+        </p:blipFill>
+        <p:spPr>
+          <a:xfrm>
+            <a:off x="186690" y="163830"/>
+            <a:ext cx="12005310" cy="6503670"/>
+          </a:xfrm>
+          <a:prstGeom prst="rect">
+            <a:avLst/>
+          </a:prstGeom>
+        </p:spPr>
+      </p:pic>
+    </p:spTree>
+  </p:cSld>
+  <p:clrMapOvr>
+    <a:masterClrMapping/>
+  </p:clrMapOvr>
+</p:sld>
+</file>
+
+<file path=ppt/slides/slide12.xml><?xml version="1.0" encoding="utf-8"?>
+<p:sld xmlns:a="http://schemas.openxmlformats.org/drawingml/2006/main" xmlns:r="http://schemas.openxmlformats.org/officeDocument/2006/relationships" xmlns:p="http://schemas.openxmlformats.org/presentationml/2006/main">
+  <p:cSld>
+    <p:spTree>
+      <p:nvGrpSpPr>
+        <p:cNvPr id="1" name=""/>
+        <p:cNvGrpSpPr/>
+        <p:nvPr/>
+      </p:nvGrpSpPr>
+      <p:grpSpPr/>
+      <p:sp>
+        <p:nvSpPr>
+          <p:cNvPr id="2" name="Title 1"/>
+          <p:cNvSpPr>
+            <a:spLocks noGrp="1"/>
+          </p:cNvSpPr>
+          <p:nvPr>
+            <p:ph type="title"/>
+          </p:nvPr>
+        </p:nvSpPr>
+        <p:spPr/>
+        <p:txBody>
+          <a:bodyPr/>
+          <a:p>
             <a:r>
               <a:rPr lang="en-US"/>
               <a:t>Questions </a:t>
@@ -3763,6 +3840,52 @@
           </a:p>
         </p:txBody>
       </p:sp>
+      <p:pic>
+        <p:nvPicPr>
+          <p:cNvPr id="4" name="Picture 3"/>
+          <p:cNvPicPr>
+            <a:picLocks noChangeAspect="1"/>
+          </p:cNvPicPr>
+          <p:nvPr/>
+        </p:nvPicPr>
+        <p:blipFill>
+          <a:blip r:embed="rId1"/>
+          <a:stretch>
+            <a:fillRect/>
+          </a:stretch>
+        </p:blipFill>
+        <p:spPr>
+          <a:xfrm>
+            <a:off x="838200" y="4687570"/>
+            <a:ext cx="2849245" cy="1865630"/>
+          </a:xfrm>
+          <a:prstGeom prst="rect">
+            <a:avLst/>
+          </a:prstGeom>
+        </p:spPr>
+      </p:pic>
+      <p:pic>
+        <p:nvPicPr>
+          <p:cNvPr id="5" name="Picture 4"/>
+          <p:cNvPicPr/>
+          <p:nvPr/>
+        </p:nvPicPr>
+        <p:blipFill>
+          <a:blip r:embed="rId2"/>
+          <a:stretch>
+            <a:fillRect/>
+          </a:stretch>
+        </p:blipFill>
+        <p:spPr>
+          <a:xfrm>
+            <a:off x="5105400" y="4750435"/>
+            <a:ext cx="3765550" cy="1802765"/>
+          </a:xfrm>
+          <a:prstGeom prst="rect">
+            <a:avLst/>
+          </a:prstGeom>
+        </p:spPr>
+      </p:pic>
     </p:spTree>
   </p:cSld>
   <p:clrMapOvr>
@@ -3929,6 +4052,51 @@
           </a:p>
         </p:txBody>
       </p:sp>
+      <p:pic>
+        <p:nvPicPr>
+          <p:cNvPr id="4" name="Picture 3"/>
+          <p:cNvPicPr/>
+          <p:nvPr/>
+        </p:nvPicPr>
+        <p:blipFill>
+          <a:blip r:embed="rId1"/>
+          <a:stretch>
+            <a:fillRect/>
+          </a:stretch>
+        </p:blipFill>
+        <p:spPr>
+          <a:xfrm>
+            <a:off x="838200" y="4022090"/>
+            <a:ext cx="2385060" cy="2614930"/>
+          </a:xfrm>
+          <a:prstGeom prst="rect">
+            <a:avLst/>
+          </a:prstGeom>
+        </p:spPr>
+      </p:pic>
+      <p:pic>
+        <p:nvPicPr>
+          <p:cNvPr id="5" name="Picture 4"/>
+          <p:cNvPicPr/>
+          <p:nvPr/>
+        </p:nvPicPr>
+        <p:blipFill>
+          <a:blip r:embed="rId2"/>
+          <a:srcRect l="28000" r="36193"/>
+          <a:stretch>
+            <a:fillRect/>
+          </a:stretch>
+        </p:blipFill>
+        <p:spPr>
+          <a:xfrm>
+            <a:off x="8683625" y="3509645"/>
+            <a:ext cx="3129280" cy="3064510"/>
+          </a:xfrm>
+          <a:prstGeom prst="rect">
+            <a:avLst/>
+          </a:prstGeom>
+        </p:spPr>
+      </p:pic>
     </p:spTree>
   </p:cSld>
   <p:clrMapOvr>
@@ -4012,6 +4180,28 @@
           </a:p>
         </p:txBody>
       </p:sp>
+      <p:pic>
+        <p:nvPicPr>
+          <p:cNvPr id="4" name="Picture 3"/>
+          <p:cNvPicPr/>
+          <p:nvPr/>
+        </p:nvPicPr>
+        <p:blipFill>
+          <a:blip r:embed="rId1"/>
+          <a:stretch>
+            <a:fillRect/>
+          </a:stretch>
+        </p:blipFill>
+        <p:spPr>
+          <a:xfrm>
+            <a:off x="1511300" y="4204335"/>
+            <a:ext cx="8502015" cy="1844040"/>
+          </a:xfrm>
+          <a:prstGeom prst="rect">
+            <a:avLst/>
+          </a:prstGeom>
+        </p:spPr>
+      </p:pic>
     </p:spTree>
   </p:cSld>
   <p:clrMapOvr>
@@ -4095,6 +4285,28 @@
           </a:p>
         </p:txBody>
       </p:sp>
+      <p:pic>
+        <p:nvPicPr>
+          <p:cNvPr id="4" name="Picture 3"/>
+          <p:cNvPicPr/>
+          <p:nvPr/>
+        </p:nvPicPr>
+        <p:blipFill>
+          <a:blip r:embed="rId1"/>
+          <a:stretch>
+            <a:fillRect/>
+          </a:stretch>
+        </p:blipFill>
+        <p:spPr>
+          <a:xfrm>
+            <a:off x="5175250" y="4203065"/>
+            <a:ext cx="3763645" cy="2405380"/>
+          </a:xfrm>
+          <a:prstGeom prst="rect">
+            <a:avLst/>
+          </a:prstGeom>
+        </p:spPr>
+      </p:pic>
     </p:spTree>
   </p:cSld>
   <p:clrMapOvr>

--- a/materials/PPT slides/07 EDABDC - Big Data Tools.pptx
+++ b/materials/PPT slides/07 EDABDC - Big Data Tools.pptx
@@ -5,21 +5,25 @@
     <p:sldMasterId id="2147483648" r:id="rId1"/>
   </p:sldMasterIdLst>
   <p:notesMasterIdLst>
-    <p:notesMasterId r:id="rId15"/>
+    <p:notesMasterId r:id="rId19"/>
   </p:notesMasterIdLst>
   <p:sldIdLst>
     <p:sldId id="256" r:id="rId3"/>
     <p:sldId id="315" r:id="rId4"/>
     <p:sldId id="316" r:id="rId5"/>
-    <p:sldId id="317" r:id="rId6"/>
-    <p:sldId id="318" r:id="rId7"/>
-    <p:sldId id="319" r:id="rId8"/>
-    <p:sldId id="320" r:id="rId9"/>
-    <p:sldId id="321" r:id="rId10"/>
-    <p:sldId id="322" r:id="rId11"/>
-    <p:sldId id="323" r:id="rId12"/>
-    <p:sldId id="325" r:id="rId13"/>
-    <p:sldId id="314" r:id="rId14"/>
+    <p:sldId id="327" r:id="rId6"/>
+    <p:sldId id="328" r:id="rId7"/>
+    <p:sldId id="329" r:id="rId8"/>
+    <p:sldId id="330" r:id="rId9"/>
+    <p:sldId id="317" r:id="rId10"/>
+    <p:sldId id="318" r:id="rId11"/>
+    <p:sldId id="319" r:id="rId12"/>
+    <p:sldId id="320" r:id="rId13"/>
+    <p:sldId id="321" r:id="rId14"/>
+    <p:sldId id="322" r:id="rId15"/>
+    <p:sldId id="323" r:id="rId16"/>
+    <p:sldId id="325" r:id="rId17"/>
+    <p:sldId id="314" r:id="rId18"/>
   </p:sldIdLst>
   <p:sldSz cx="12192000" cy="6858000"/>
   <p:notesSz cx="6858000" cy="9144000"/>
@@ -3384,17 +3388,13 @@
         </p:nvSpPr>
         <p:spPr/>
         <p:txBody>
-          <a:bodyPr>
-            <a:normAutofit fontScale="90000"/>
-          </a:bodyPr>
-          <a:p>
-            <a:r>
-              <a:rPr lang="en-US" altLang="en-GB">
-                <a:sym typeface="+mn-ea"/>
-              </a:rPr>
-              <a:t>Focus on user-friendly tools that illustrate key big data concepts</a:t>
-            </a:r>
-            <a:endParaRPr lang="en-GB" altLang="en-US"/>
+          <a:bodyPr/>
+          <a:p>
+            <a:r>
+              <a:rPr lang="en-US" altLang="en-GB"/>
+              <a:t>NoSQL Databases</a:t>
+            </a:r>
+            <a:endParaRPr lang="en-US" altLang="en-GB"/>
           </a:p>
         </p:txBody>
       </p:sp>
@@ -3410,89 +3410,59 @@
         </p:nvSpPr>
         <p:spPr/>
         <p:txBody>
-          <a:bodyPr>
-            <a:normAutofit fontScale="80000"/>
-          </a:bodyPr>
+          <a:bodyPr/>
           <a:p>
             <a:r>
               <a:rPr lang="en-US" altLang="en-GB"/>
-              <a:t>3. Data Streaming &amp; Ingestion</a:t>
-            </a:r>
-            <a:endParaRPr lang="en-US" altLang="en-GB"/>
-          </a:p>
-          <a:p>
-            <a:pPr lvl="1"/>
+              <a:t>Apache Cassandra – Scalable NoSQL database for high availability.</a:t>
+            </a:r>
+            <a:endParaRPr lang="en-US" altLang="en-GB"/>
+          </a:p>
+          <a:p>
             <a:r>
               <a:rPr lang="en-US" altLang="en-GB"/>
-              <a:t>Apache Kafka (via Confluent Cloud or Docker) – Use simple producers/consumers to demonstrate real-time data streaming.</a:t>
-            </a:r>
-            <a:endParaRPr lang="en-US" altLang="en-GB"/>
-          </a:p>
-          <a:p>
-            <a:pPr lvl="1"/>
+              <a:t>MongoDB – Document-oriented NoSQL database.</a:t>
+            </a:r>
+            <a:endParaRPr lang="en-US" altLang="en-GB"/>
+          </a:p>
+          <a:p>
             <a:r>
               <a:rPr lang="en-US" altLang="en-GB"/>
-              <a:t>Apache NiFi – A low-code tool for data flow management, great for non-programmers.</a:t>
+              <a:t>HBase – Column-oriented NoSQL database on Hadoop.</a:t>
             </a:r>
             <a:endParaRPr lang="en-US" altLang="en-GB"/>
           </a:p>
           <a:p>
             <a:r>
               <a:rPr lang="en-US" altLang="en-GB"/>
-              <a:t>4. Data Visualization &amp; BI</a:t>
-            </a:r>
-            <a:endParaRPr lang="en-US" altLang="en-GB"/>
-          </a:p>
-          <a:p>
-            <a:pPr lvl="1"/>
-            <a:r>
-              <a:rPr lang="en-US" altLang="en-GB"/>
-              <a:t>Power BI / Tableau (with Big Data sources like BigQuery or Hive) – Helps students see the impact of big data analysis visually.</a:t>
-            </a:r>
-            <a:endParaRPr lang="en-US" altLang="en-GB"/>
-          </a:p>
-          <a:p>
-            <a:pPr lvl="1"/>
-            <a:r>
-              <a:rPr lang="en-US" altLang="en-GB"/>
-              <a:t>Apache Superset – Open-source alternative to Tableau, useful for SQL-based exploration.</a:t>
-            </a:r>
-            <a:endParaRPr lang="en-US" altLang="en-GB"/>
-          </a:p>
-          <a:p>
-            <a:pPr lvl="0"/>
-            <a:r>
-              <a:rPr lang="en-US" altLang="en-GB"/>
-              <a:t>ML on Big data </a:t>
-            </a:r>
-            <a:endParaRPr lang="en-US" altLang="en-GB"/>
-          </a:p>
-          <a:p>
-            <a:pPr lvl="1"/>
-            <a:r>
-              <a:rPr lang="en-US" altLang="en-GB"/>
-              <a:t>MLlib (via PySpark on Google Colab) – Demonstrates scalable ML with minimal setup.</a:t>
-            </a:r>
-            <a:endParaRPr lang="en-US" altLang="en-GB"/>
-          </a:p>
-          <a:p>
-            <a:pPr lvl="1"/>
-            <a:r>
-              <a:rPr lang="en-US" altLang="en-GB"/>
-              <a:t>H2O.ai (AutoML features) – Helps students see AI applications without complex coding.</a:t>
-            </a:r>
-            <a:endParaRPr lang="en-US" altLang="en-GB"/>
-          </a:p>
-          <a:p>
-            <a:pPr lvl="1"/>
-            <a:r>
-              <a:rPr lang="en-US" altLang="en-GB"/>
-              <a:t>Hugging face Transformers on Colab </a:t>
-            </a:r>
-            <a:endParaRPr lang="en-US" altLang="en-GB"/>
-          </a:p>
-        </p:txBody>
-      </p:sp>
+              <a:t>Amazon DynamoDB – Managed NoSQL database.</a:t>
+            </a:r>
+            <a:endParaRPr lang="en-US" altLang="en-GB"/>
+          </a:p>
+        </p:txBody>
+      </p:sp>
+      <p:pic>
+        <p:nvPicPr>
+          <p:cNvPr id="4" name="Picture 3"/>
+          <p:cNvPicPr/>
+          <p:nvPr/>
+        </p:nvPicPr>
+        <p:blipFill>
+          <a:blip r:embed="rId1"/>
+          <a:stretch>
+            <a:fillRect/>
+          </a:stretch>
+        </p:blipFill>
+        <p:spPr>
+          <a:xfrm>
+            <a:off x="1511300" y="4204335"/>
+            <a:ext cx="8502015" cy="1844040"/>
+          </a:xfrm>
+          <a:prstGeom prst="rect">
+            <a:avLst/>
+          </a:prstGeom>
+        </p:spPr>
+      </p:pic>
     </p:spTree>
   </p:cSld>
   <p:clrMapOvr>
@@ -3502,6 +3472,431 @@
 </file>
 
 <file path=ppt/slides/slide11.xml><?xml version="1.0" encoding="utf-8"?>
+<p:sld xmlns:a="http://schemas.openxmlformats.org/drawingml/2006/main" xmlns:r="http://schemas.openxmlformats.org/officeDocument/2006/relationships" xmlns:p="http://schemas.openxmlformats.org/presentationml/2006/main">
+  <p:cSld>
+    <p:spTree>
+      <p:nvGrpSpPr>
+        <p:cNvPr id="1" name=""/>
+        <p:cNvGrpSpPr/>
+        <p:nvPr/>
+      </p:nvGrpSpPr>
+      <p:grpSpPr/>
+      <p:sp>
+        <p:nvSpPr>
+          <p:cNvPr id="2" name="Title 1"/>
+          <p:cNvSpPr>
+            <a:spLocks noGrp="1"/>
+          </p:cNvSpPr>
+          <p:nvPr>
+            <p:ph type="title"/>
+          </p:nvPr>
+        </p:nvSpPr>
+        <p:spPr/>
+        <p:txBody>
+          <a:bodyPr/>
+          <a:p>
+            <a:r>
+              <a:rPr lang="en-US" altLang="en-GB"/>
+              <a:t>Machine Learning and AI on Big Data</a:t>
+            </a:r>
+            <a:endParaRPr lang="en-US" altLang="en-GB"/>
+          </a:p>
+        </p:txBody>
+      </p:sp>
+      <p:sp>
+        <p:nvSpPr>
+          <p:cNvPr id="3" name="Content Placeholder 2"/>
+          <p:cNvSpPr>
+            <a:spLocks noGrp="1"/>
+          </p:cNvSpPr>
+          <p:nvPr>
+            <p:ph idx="1"/>
+          </p:nvPr>
+        </p:nvSpPr>
+        <p:spPr/>
+        <p:txBody>
+          <a:bodyPr/>
+          <a:p>
+            <a:r>
+              <a:rPr lang="en-US" altLang="en-GB"/>
+              <a:t>MLlib (Apache Spark ML) – Scalable machine learning library.</a:t>
+            </a:r>
+            <a:endParaRPr lang="en-US" altLang="en-GB"/>
+          </a:p>
+          <a:p>
+            <a:r>
+              <a:rPr lang="en-US" altLang="en-GB"/>
+              <a:t>H2O.ai – Open-source AI and ML platform.</a:t>
+            </a:r>
+            <a:endParaRPr lang="en-US" altLang="en-GB"/>
+          </a:p>
+          <a:p>
+            <a:r>
+              <a:rPr lang="en-US" altLang="en-GB"/>
+              <a:t>TensorFlow on Apache Spark – Deep learning on big data.</a:t>
+            </a:r>
+            <a:endParaRPr lang="en-US" altLang="en-GB"/>
+          </a:p>
+          <a:p>
+            <a:r>
+              <a:rPr lang="en-US" altLang="en-GB"/>
+              <a:t>Hugging face Transformers </a:t>
+            </a:r>
+            <a:endParaRPr lang="en-US" altLang="en-GB"/>
+          </a:p>
+        </p:txBody>
+      </p:sp>
+      <p:pic>
+        <p:nvPicPr>
+          <p:cNvPr id="4" name="Picture 3"/>
+          <p:cNvPicPr/>
+          <p:nvPr/>
+        </p:nvPicPr>
+        <p:blipFill>
+          <a:blip r:embed="rId1"/>
+          <a:stretch>
+            <a:fillRect/>
+          </a:stretch>
+        </p:blipFill>
+        <p:spPr>
+          <a:xfrm>
+            <a:off x="5175250" y="4203065"/>
+            <a:ext cx="3763645" cy="2405380"/>
+          </a:xfrm>
+          <a:prstGeom prst="rect">
+            <a:avLst/>
+          </a:prstGeom>
+        </p:spPr>
+      </p:pic>
+    </p:spTree>
+  </p:cSld>
+  <p:clrMapOvr>
+    <a:masterClrMapping/>
+  </p:clrMapOvr>
+</p:sld>
+</file>
+
+<file path=ppt/slides/slide12.xml><?xml version="1.0" encoding="utf-8"?>
+<p:sld xmlns:a="http://schemas.openxmlformats.org/drawingml/2006/main" xmlns:r="http://schemas.openxmlformats.org/officeDocument/2006/relationships" xmlns:p="http://schemas.openxmlformats.org/presentationml/2006/main">
+  <p:cSld>
+    <p:spTree>
+      <p:nvGrpSpPr>
+        <p:cNvPr id="1" name=""/>
+        <p:cNvGrpSpPr/>
+        <p:nvPr/>
+      </p:nvGrpSpPr>
+      <p:grpSpPr/>
+      <p:sp>
+        <p:nvSpPr>
+          <p:cNvPr id="2" name="Title 1"/>
+          <p:cNvSpPr>
+            <a:spLocks noGrp="1"/>
+          </p:cNvSpPr>
+          <p:nvPr>
+            <p:ph type="title"/>
+          </p:nvPr>
+        </p:nvSpPr>
+        <p:spPr/>
+        <p:txBody>
+          <a:bodyPr/>
+          <a:p>
+            <a:r>
+              <a:rPr lang="en-US" altLang="en-GB"/>
+              <a:t>Data Visualization and BI</a:t>
+            </a:r>
+            <a:endParaRPr lang="en-US" altLang="en-GB"/>
+          </a:p>
+        </p:txBody>
+      </p:sp>
+      <p:sp>
+        <p:nvSpPr>
+          <p:cNvPr id="3" name="Content Placeholder 2"/>
+          <p:cNvSpPr>
+            <a:spLocks noGrp="1"/>
+          </p:cNvSpPr>
+          <p:nvPr>
+            <p:ph idx="1"/>
+          </p:nvPr>
+        </p:nvSpPr>
+        <p:spPr/>
+        <p:txBody>
+          <a:bodyPr/>
+          <a:p>
+            <a:r>
+              <a:rPr lang="en-US" altLang="en-GB"/>
+              <a:t>Tableau – Interactive data visualization.</a:t>
+            </a:r>
+            <a:endParaRPr lang="en-US" altLang="en-GB"/>
+          </a:p>
+          <a:p>
+            <a:r>
+              <a:rPr lang="en-US" altLang="en-GB"/>
+              <a:t>Power BI – Business intelligence and reporting.</a:t>
+            </a:r>
+            <a:endParaRPr lang="en-US" altLang="en-GB"/>
+          </a:p>
+          <a:p>
+            <a:r>
+              <a:rPr lang="en-US" altLang="en-GB"/>
+              <a:t>Apache Superset – Open-source BI tool.</a:t>
+            </a:r>
+            <a:endParaRPr lang="en-US" altLang="en-GB"/>
+          </a:p>
+        </p:txBody>
+      </p:sp>
+    </p:spTree>
+  </p:cSld>
+  <p:clrMapOvr>
+    <a:masterClrMapping/>
+  </p:clrMapOvr>
+</p:sld>
+</file>
+
+<file path=ppt/slides/slide13.xml><?xml version="1.0" encoding="utf-8"?>
+<p:sld xmlns:a="http://schemas.openxmlformats.org/drawingml/2006/main" xmlns:r="http://schemas.openxmlformats.org/officeDocument/2006/relationships" xmlns:p="http://schemas.openxmlformats.org/presentationml/2006/main">
+  <p:cSld>
+    <p:spTree>
+      <p:nvGrpSpPr>
+        <p:cNvPr id="1" name=""/>
+        <p:cNvGrpSpPr/>
+        <p:nvPr/>
+      </p:nvGrpSpPr>
+      <p:grpSpPr/>
+      <p:sp>
+        <p:nvSpPr>
+          <p:cNvPr id="2" name="Title 1"/>
+          <p:cNvSpPr>
+            <a:spLocks noGrp="1"/>
+          </p:cNvSpPr>
+          <p:nvPr>
+            <p:ph type="title"/>
+          </p:nvPr>
+        </p:nvSpPr>
+        <p:spPr/>
+        <p:txBody>
+          <a:bodyPr>
+            <a:normAutofit fontScale="90000"/>
+          </a:bodyPr>
+          <a:p>
+            <a:r>
+              <a:rPr lang="en-US" altLang="en-GB"/>
+              <a:t>Focus on user-friendly tools that illustrate key big data concepts</a:t>
+            </a:r>
+            <a:endParaRPr lang="en-US" altLang="en-GB"/>
+          </a:p>
+        </p:txBody>
+      </p:sp>
+      <p:sp>
+        <p:nvSpPr>
+          <p:cNvPr id="3" name="Content Placeholder 2"/>
+          <p:cNvSpPr>
+            <a:spLocks noGrp="1"/>
+          </p:cNvSpPr>
+          <p:nvPr>
+            <p:ph idx="1"/>
+          </p:nvPr>
+        </p:nvSpPr>
+        <p:spPr/>
+        <p:txBody>
+          <a:bodyPr>
+            <a:normAutofit/>
+          </a:bodyPr>
+          <a:p>
+            <a:r>
+              <a:rPr lang="en-US" altLang="en-GB"/>
+              <a:t>1. Data Storage &amp; Processing</a:t>
+            </a:r>
+            <a:endParaRPr lang="en-US" altLang="en-GB"/>
+          </a:p>
+          <a:p>
+            <a:pPr lvl="1"/>
+            <a:r>
+              <a:rPr lang="en-US" altLang="en-GB"/>
+              <a:t>Google Colab + PySpark – Allows running Spark without installation, making it easy to demonstrate distributed computing concepts.</a:t>
+            </a:r>
+            <a:endParaRPr lang="en-US" altLang="en-GB"/>
+          </a:p>
+          <a:p>
+            <a:pPr lvl="1"/>
+            <a:r>
+              <a:rPr lang="en-US" altLang="en-GB"/>
+              <a:t>Apache Hadoop (HDFS + MapReduce concepts) – Use a simple local setup (e.g., Dockerized Hadoop) to introduce batch processing.</a:t>
+            </a:r>
+            <a:endParaRPr lang="en-US" altLang="en-GB"/>
+          </a:p>
+          <a:p>
+            <a:r>
+              <a:rPr lang="en-US" altLang="en-GB"/>
+              <a:t>2. Data Querying &amp; Warehousing</a:t>
+            </a:r>
+            <a:endParaRPr lang="en-US" altLang="en-GB"/>
+          </a:p>
+          <a:p>
+            <a:pPr lvl="1"/>
+            <a:r>
+              <a:rPr lang="en-US" altLang="en-GB"/>
+              <a:t>Google BigQuery – Serverless SQL-based querying with a free tier, making it great for demonstrating big data queries without setup hassle.</a:t>
+            </a:r>
+            <a:endParaRPr lang="en-US" altLang="en-GB"/>
+          </a:p>
+          <a:p>
+            <a:pPr lvl="1"/>
+            <a:r>
+              <a:rPr lang="en-US" altLang="en-GB"/>
+              <a:t>Apache Hive (via cloud platforms) – Helps explain SQL over big data.</a:t>
+            </a:r>
+            <a:endParaRPr lang="en-US" altLang="en-GB"/>
+          </a:p>
+        </p:txBody>
+      </p:sp>
+    </p:spTree>
+  </p:cSld>
+  <p:clrMapOvr>
+    <a:masterClrMapping/>
+  </p:clrMapOvr>
+</p:sld>
+</file>
+
+<file path=ppt/slides/slide14.xml><?xml version="1.0" encoding="utf-8"?>
+<p:sld xmlns:a="http://schemas.openxmlformats.org/drawingml/2006/main" xmlns:r="http://schemas.openxmlformats.org/officeDocument/2006/relationships" xmlns:p="http://schemas.openxmlformats.org/presentationml/2006/main">
+  <p:cSld>
+    <p:spTree>
+      <p:nvGrpSpPr>
+        <p:cNvPr id="1" name=""/>
+        <p:cNvGrpSpPr/>
+        <p:nvPr/>
+      </p:nvGrpSpPr>
+      <p:grpSpPr/>
+      <p:sp>
+        <p:nvSpPr>
+          <p:cNvPr id="2" name="Title 1"/>
+          <p:cNvSpPr>
+            <a:spLocks noGrp="1"/>
+          </p:cNvSpPr>
+          <p:nvPr>
+            <p:ph type="title"/>
+          </p:nvPr>
+        </p:nvSpPr>
+        <p:spPr/>
+        <p:txBody>
+          <a:bodyPr>
+            <a:normAutofit fontScale="90000"/>
+          </a:bodyPr>
+          <a:p>
+            <a:r>
+              <a:rPr lang="en-US" altLang="en-GB">
+                <a:sym typeface="+mn-ea"/>
+              </a:rPr>
+              <a:t>Focus on user-friendly tools that illustrate key big data concepts</a:t>
+            </a:r>
+            <a:endParaRPr lang="en-GB" altLang="en-US"/>
+          </a:p>
+        </p:txBody>
+      </p:sp>
+      <p:sp>
+        <p:nvSpPr>
+          <p:cNvPr id="3" name="Content Placeholder 2"/>
+          <p:cNvSpPr>
+            <a:spLocks noGrp="1"/>
+          </p:cNvSpPr>
+          <p:nvPr>
+            <p:ph idx="1"/>
+          </p:nvPr>
+        </p:nvSpPr>
+        <p:spPr/>
+        <p:txBody>
+          <a:bodyPr>
+            <a:normAutofit fontScale="80000"/>
+          </a:bodyPr>
+          <a:p>
+            <a:r>
+              <a:rPr lang="en-US" altLang="en-GB"/>
+              <a:t>3. Data Streaming &amp; Ingestion</a:t>
+            </a:r>
+            <a:endParaRPr lang="en-US" altLang="en-GB"/>
+          </a:p>
+          <a:p>
+            <a:pPr lvl="1"/>
+            <a:r>
+              <a:rPr lang="en-US" altLang="en-GB"/>
+              <a:t>Apache Kafka (via Confluent Cloud or Docker) – Use simple producers/consumers to demonstrate real-time data streaming.</a:t>
+            </a:r>
+            <a:endParaRPr lang="en-US" altLang="en-GB"/>
+          </a:p>
+          <a:p>
+            <a:pPr lvl="1"/>
+            <a:r>
+              <a:rPr lang="en-US" altLang="en-GB"/>
+              <a:t>Apache NiFi – A low-code tool for data flow management, great for non-programmers.</a:t>
+            </a:r>
+            <a:endParaRPr lang="en-US" altLang="en-GB"/>
+          </a:p>
+          <a:p>
+            <a:r>
+              <a:rPr lang="en-US" altLang="en-GB"/>
+              <a:t>4. Data Visualization &amp; BI</a:t>
+            </a:r>
+            <a:endParaRPr lang="en-US" altLang="en-GB"/>
+          </a:p>
+          <a:p>
+            <a:pPr lvl="1"/>
+            <a:r>
+              <a:rPr lang="en-US" altLang="en-GB"/>
+              <a:t>Power BI / Tableau (with Big Data sources like BigQuery or Hive) – Helps students see the impact of big data analysis visually.</a:t>
+            </a:r>
+            <a:endParaRPr lang="en-US" altLang="en-GB"/>
+          </a:p>
+          <a:p>
+            <a:pPr lvl="1"/>
+            <a:r>
+              <a:rPr lang="en-US" altLang="en-GB"/>
+              <a:t>Apache Superset – Open-source alternative to Tableau, useful for SQL-based exploration.</a:t>
+            </a:r>
+            <a:endParaRPr lang="en-US" altLang="en-GB"/>
+          </a:p>
+          <a:p>
+            <a:pPr lvl="0"/>
+            <a:r>
+              <a:rPr lang="en-US" altLang="en-GB"/>
+              <a:t>ML on Big data </a:t>
+            </a:r>
+            <a:endParaRPr lang="en-US" altLang="en-GB"/>
+          </a:p>
+          <a:p>
+            <a:pPr lvl="1"/>
+            <a:r>
+              <a:rPr lang="en-US" altLang="en-GB"/>
+              <a:t>MLlib (via PySpark on Google Colab) – Demonstrates scalable ML with minimal setup.</a:t>
+            </a:r>
+            <a:endParaRPr lang="en-US" altLang="en-GB"/>
+          </a:p>
+          <a:p>
+            <a:pPr lvl="1"/>
+            <a:r>
+              <a:rPr lang="en-US" altLang="en-GB"/>
+              <a:t>H2O.ai (AutoML features) – Helps students see AI applications without complex coding.</a:t>
+            </a:r>
+            <a:endParaRPr lang="en-US" altLang="en-GB"/>
+          </a:p>
+          <a:p>
+            <a:pPr lvl="1"/>
+            <a:r>
+              <a:rPr lang="en-US" altLang="en-GB"/>
+              <a:t>Hugging face Transformers on Colab </a:t>
+            </a:r>
+            <a:endParaRPr lang="en-US" altLang="en-GB"/>
+          </a:p>
+        </p:txBody>
+      </p:sp>
+    </p:spTree>
+  </p:cSld>
+  <p:clrMapOvr>
+    <a:masterClrMapping/>
+  </p:clrMapOvr>
+</p:sld>
+</file>
+
+<file path=ppt/slides/slide15.xml><?xml version="1.0" encoding="utf-8"?>
 <p:sld xmlns:a="http://schemas.openxmlformats.org/drawingml/2006/main" xmlns:r="http://schemas.openxmlformats.org/officeDocument/2006/relationships" xmlns:p="http://schemas.openxmlformats.org/presentationml/2006/main">
   <p:cSld>
     <p:spTree>
@@ -3577,7 +3972,7 @@
 </p:sld>
 </file>
 
-<file path=ppt/slides/slide12.xml><?xml version="1.0" encoding="utf-8"?>
+<file path=ppt/slides/slide16.xml><?xml version="1.0" encoding="utf-8"?>
 <p:sld xmlns:a="http://schemas.openxmlformats.org/drawingml/2006/main" xmlns:r="http://schemas.openxmlformats.org/officeDocument/2006/relationships" xmlns:p="http://schemas.openxmlformats.org/presentationml/2006/main">
   <p:cSld>
     <p:spTree>
@@ -3919,56 +4314,63 @@
           <a:bodyPr/>
           <a:p>
             <a:r>
-              <a:rPr lang="en-US" altLang="en-GB"/>
-              <a:t>Data Warehousing and Querying</a:t>
-            </a:r>
-            <a:endParaRPr lang="en-US" altLang="en-GB"/>
-          </a:p>
-        </p:txBody>
-      </p:sp>
-      <p:sp>
-        <p:nvSpPr>
-          <p:cNvPr id="3" name="Content Placeholder 2"/>
-          <p:cNvSpPr>
-            <a:spLocks noGrp="1"/>
-          </p:cNvSpPr>
+              <a:rPr lang="en-GB" altLang="en-US"/>
+              <a:t>Hadoop</a:t>
+            </a:r>
+            <a:endParaRPr lang="en-GB" altLang="en-US"/>
+          </a:p>
+        </p:txBody>
+      </p:sp>
+      <p:pic>
+        <p:nvPicPr>
+          <p:cNvPr id="4" name="Content Placeholder 3"/>
+          <p:cNvPicPr>
+            <a:picLocks noChangeAspect="1"/>
+          </p:cNvPicPr>
           <p:nvPr>
             <p:ph idx="1"/>
           </p:nvPr>
-        </p:nvSpPr>
-        <p:spPr/>
-        <p:txBody>
-          <a:bodyPr/>
-          <a:p>
-            <a:r>
-              <a:rPr lang="en-US" altLang="en-GB"/>
-              <a:t>Apache Hive – SQL-like querying on Hadoop.</a:t>
-            </a:r>
-            <a:endParaRPr lang="en-US" altLang="en-GB"/>
-          </a:p>
-          <a:p>
-            <a:r>
-              <a:rPr lang="en-US" altLang="en-GB"/>
-              <a:t>Presto (Trino) – High-performance distributed SQL query engine.</a:t>
-            </a:r>
-            <a:endParaRPr lang="en-US" altLang="en-GB"/>
-          </a:p>
-          <a:p>
-            <a:r>
-              <a:rPr lang="en-US" altLang="en-GB"/>
-              <a:t>Google BigQuery – Serverless data warehouse with fast SQL queries.</a:t>
-            </a:r>
-            <a:endParaRPr lang="en-US" altLang="en-GB"/>
-          </a:p>
-          <a:p>
-            <a:r>
-              <a:rPr lang="en-US" altLang="en-GB"/>
-              <a:t>Amazon Redshift – Cloud-based data warehouse.</a:t>
-            </a:r>
-            <a:endParaRPr lang="en-US" altLang="en-GB"/>
-          </a:p>
-        </p:txBody>
-      </p:sp>
+        </p:nvPicPr>
+        <p:blipFill>
+          <a:blip r:embed="rId1"/>
+          <a:stretch>
+            <a:fillRect/>
+          </a:stretch>
+        </p:blipFill>
+        <p:spPr>
+          <a:xfrm>
+            <a:off x="1835785" y="1903730"/>
+            <a:ext cx="7694930" cy="4017010"/>
+          </a:xfrm>
+          <a:prstGeom prst="rect">
+            <a:avLst/>
+          </a:prstGeom>
+        </p:spPr>
+      </p:pic>
+      <p:pic>
+        <p:nvPicPr>
+          <p:cNvPr id="5" name="Picture 4"/>
+          <p:cNvPicPr>
+            <a:picLocks noChangeAspect="1"/>
+          </p:cNvPicPr>
+          <p:nvPr/>
+        </p:nvPicPr>
+        <p:blipFill>
+          <a:blip r:embed="rId2"/>
+          <a:stretch>
+            <a:fillRect/>
+          </a:stretch>
+        </p:blipFill>
+        <p:spPr>
+          <a:xfrm>
+            <a:off x="9262110" y="95250"/>
+            <a:ext cx="2849245" cy="1865630"/>
+          </a:xfrm>
+          <a:prstGeom prst="rect">
+            <a:avLst/>
+          </a:prstGeom>
+        </p:spPr>
+      </p:pic>
     </p:spTree>
   </p:cSld>
   <p:clrMapOvr>
@@ -3978,6 +4380,397 @@
 </file>
 
 <file path=ppt/slides/slide5.xml><?xml version="1.0" encoding="utf-8"?>
+<p:sld xmlns:a="http://schemas.openxmlformats.org/drawingml/2006/main" xmlns:r="http://schemas.openxmlformats.org/officeDocument/2006/relationships" xmlns:p="http://schemas.openxmlformats.org/presentationml/2006/main">
+  <p:cSld>
+    <p:spTree>
+      <p:nvGrpSpPr>
+        <p:cNvPr id="1" name=""/>
+        <p:cNvGrpSpPr/>
+        <p:nvPr/>
+      </p:nvGrpSpPr>
+      <p:grpSpPr/>
+      <p:sp>
+        <p:nvSpPr>
+          <p:cNvPr id="2" name="Title 1"/>
+          <p:cNvSpPr>
+            <a:spLocks noGrp="1"/>
+          </p:cNvSpPr>
+          <p:nvPr>
+            <p:ph type="title"/>
+          </p:nvPr>
+        </p:nvSpPr>
+        <p:spPr/>
+        <p:txBody>
+          <a:bodyPr/>
+          <a:p>
+            <a:r>
+              <a:rPr lang="en-GB" altLang="en-US"/>
+              <a:t>Apache Spark </a:t>
+            </a:r>
+            <a:endParaRPr lang="en-GB" altLang="en-US"/>
+          </a:p>
+        </p:txBody>
+      </p:sp>
+      <p:pic>
+        <p:nvPicPr>
+          <p:cNvPr id="4" name="Picture 3"/>
+          <p:cNvPicPr/>
+          <p:nvPr/>
+        </p:nvPicPr>
+        <p:blipFill>
+          <a:blip r:embed="rId1"/>
+          <a:stretch>
+            <a:fillRect/>
+          </a:stretch>
+        </p:blipFill>
+        <p:spPr>
+          <a:xfrm>
+            <a:off x="1054100" y="1428750"/>
+            <a:ext cx="9144000" cy="5143500"/>
+          </a:xfrm>
+          <a:prstGeom prst="rect">
+            <a:avLst/>
+          </a:prstGeom>
+        </p:spPr>
+      </p:pic>
+      <p:pic>
+        <p:nvPicPr>
+          <p:cNvPr id="5" name="Picture 4"/>
+          <p:cNvPicPr/>
+          <p:nvPr/>
+        </p:nvPicPr>
+        <p:blipFill>
+          <a:blip r:embed="rId2"/>
+          <a:stretch>
+            <a:fillRect/>
+          </a:stretch>
+        </p:blipFill>
+        <p:spPr>
+          <a:xfrm>
+            <a:off x="8426450" y="126365"/>
+            <a:ext cx="3765550" cy="1802765"/>
+          </a:xfrm>
+          <a:prstGeom prst="rect">
+            <a:avLst/>
+          </a:prstGeom>
+        </p:spPr>
+      </p:pic>
+    </p:spTree>
+  </p:cSld>
+  <p:clrMapOvr>
+    <a:masterClrMapping/>
+  </p:clrMapOvr>
+</p:sld>
+</file>
+
+<file path=ppt/slides/slide6.xml><?xml version="1.0" encoding="utf-8"?>
+<p:sld xmlns:a="http://schemas.openxmlformats.org/drawingml/2006/main" xmlns:r="http://schemas.openxmlformats.org/officeDocument/2006/relationships" xmlns:p="http://schemas.openxmlformats.org/presentationml/2006/main">
+  <p:cSld>
+    <p:spTree>
+      <p:nvGrpSpPr>
+        <p:cNvPr id="1" name=""/>
+        <p:cNvGrpSpPr/>
+        <p:nvPr/>
+      </p:nvGrpSpPr>
+      <p:grpSpPr/>
+      <p:pic>
+        <p:nvPicPr>
+          <p:cNvPr id="4" name="Picture 3"/>
+          <p:cNvPicPr/>
+          <p:nvPr/>
+        </p:nvPicPr>
+        <p:blipFill>
+          <a:blip r:embed="rId1"/>
+          <a:stretch>
+            <a:fillRect/>
+          </a:stretch>
+        </p:blipFill>
+        <p:spPr>
+          <a:xfrm>
+            <a:off x="1895475" y="2232025"/>
+            <a:ext cx="6563995" cy="4291330"/>
+          </a:xfrm>
+          <a:prstGeom prst="rect">
+            <a:avLst/>
+          </a:prstGeom>
+        </p:spPr>
+      </p:pic>
+      <p:sp>
+        <p:nvSpPr>
+          <p:cNvPr id="5" name="Title 1"/>
+          <p:cNvSpPr>
+            <a:spLocks noGrp="1"/>
+          </p:cNvSpPr>
+          <p:nvPr/>
+        </p:nvSpPr>
+        <p:spPr>
+          <a:xfrm>
+            <a:off x="965200" y="492125"/>
+            <a:ext cx="10515600" cy="1325563"/>
+          </a:xfrm>
+          <a:prstGeom prst="rect">
+            <a:avLst/>
+          </a:prstGeom>
+        </p:spPr>
+        <p:txBody>
+          <a:bodyPr vert="horz" lIns="91440" tIns="45720" rIns="91440" bIns="45720" rtlCol="0" anchor="ctr">
+            <a:normAutofit/>
+          </a:bodyPr>
+          <a:lstStyle>
+            <a:lvl1pPr algn="l" defTabSz="914400" rtl="0" eaLnBrk="1" latinLnBrk="0" hangingPunct="1">
+              <a:lnSpc>
+                <a:spcPct val="90000"/>
+              </a:lnSpc>
+              <a:spcBef>
+                <a:spcPct val="0"/>
+              </a:spcBef>
+              <a:buNone/>
+              <a:defRPr sz="4400" kern="1200">
+                <a:solidFill>
+                  <a:schemeClr val="tx1"/>
+                </a:solidFill>
+                <a:latin typeface="+mj-lt"/>
+                <a:ea typeface="+mj-ea"/>
+                <a:cs typeface="+mj-cs"/>
+              </a:defRPr>
+            </a:lvl1pPr>
+          </a:lstStyle>
+          <a:p>
+            <a:r>
+              <a:rPr lang="en-GB" altLang="en-US"/>
+              <a:t>Apache Spark </a:t>
+            </a:r>
+            <a:endParaRPr lang="en-GB" altLang="en-US"/>
+          </a:p>
+        </p:txBody>
+      </p:sp>
+      <p:pic>
+        <p:nvPicPr>
+          <p:cNvPr id="6" name="Picture 5"/>
+          <p:cNvPicPr/>
+          <p:nvPr/>
+        </p:nvPicPr>
+        <p:blipFill>
+          <a:blip r:embed="rId2"/>
+          <a:stretch>
+            <a:fillRect/>
+          </a:stretch>
+        </p:blipFill>
+        <p:spPr>
+          <a:xfrm>
+            <a:off x="8426450" y="126365"/>
+            <a:ext cx="3765550" cy="1802765"/>
+          </a:xfrm>
+          <a:prstGeom prst="rect">
+            <a:avLst/>
+          </a:prstGeom>
+        </p:spPr>
+      </p:pic>
+    </p:spTree>
+  </p:cSld>
+  <p:clrMapOvr>
+    <a:masterClrMapping/>
+  </p:clrMapOvr>
+</p:sld>
+</file>
+
+<file path=ppt/slides/slide7.xml><?xml version="1.0" encoding="utf-8"?>
+<p:sld xmlns:a="http://schemas.openxmlformats.org/drawingml/2006/main" xmlns:r="http://schemas.openxmlformats.org/officeDocument/2006/relationships" xmlns:p="http://schemas.openxmlformats.org/presentationml/2006/main">
+  <p:cSld>
+    <p:spTree>
+      <p:nvGrpSpPr>
+        <p:cNvPr id="1" name=""/>
+        <p:cNvGrpSpPr/>
+        <p:nvPr/>
+      </p:nvGrpSpPr>
+      <p:grpSpPr/>
+      <p:pic>
+        <p:nvPicPr>
+          <p:cNvPr id="4" name="Picture 3"/>
+          <p:cNvPicPr>
+            <a:picLocks noChangeAspect="1"/>
+          </p:cNvPicPr>
+          <p:nvPr/>
+        </p:nvPicPr>
+        <p:blipFill>
+          <a:blip r:embed="rId1"/>
+          <a:stretch>
+            <a:fillRect/>
+          </a:stretch>
+        </p:blipFill>
+        <p:spPr>
+          <a:xfrm>
+            <a:off x="1755140" y="1637665"/>
+            <a:ext cx="7632065" cy="5161280"/>
+          </a:xfrm>
+          <a:prstGeom prst="rect">
+            <a:avLst/>
+          </a:prstGeom>
+        </p:spPr>
+      </p:pic>
+      <p:sp>
+        <p:nvSpPr>
+          <p:cNvPr id="5" name="Title 1"/>
+          <p:cNvSpPr>
+            <a:spLocks noGrp="1"/>
+          </p:cNvSpPr>
+          <p:nvPr/>
+        </p:nvSpPr>
+        <p:spPr>
+          <a:xfrm>
+            <a:off x="965200" y="492125"/>
+            <a:ext cx="10515600" cy="1325563"/>
+          </a:xfrm>
+          <a:prstGeom prst="rect">
+            <a:avLst/>
+          </a:prstGeom>
+        </p:spPr>
+        <p:txBody>
+          <a:bodyPr vert="horz" lIns="91440" tIns="45720" rIns="91440" bIns="45720" rtlCol="0" anchor="ctr">
+            <a:normAutofit/>
+          </a:bodyPr>
+          <a:lstStyle>
+            <a:lvl1pPr algn="l" defTabSz="914400" rtl="0" eaLnBrk="1" latinLnBrk="0" hangingPunct="1">
+              <a:lnSpc>
+                <a:spcPct val="90000"/>
+              </a:lnSpc>
+              <a:spcBef>
+                <a:spcPct val="0"/>
+              </a:spcBef>
+              <a:buNone/>
+              <a:defRPr sz="4400" kern="1200">
+                <a:solidFill>
+                  <a:schemeClr val="tx1"/>
+                </a:solidFill>
+                <a:latin typeface="+mj-lt"/>
+                <a:ea typeface="+mj-ea"/>
+                <a:cs typeface="+mj-cs"/>
+              </a:defRPr>
+            </a:lvl1pPr>
+          </a:lstStyle>
+          <a:p>
+            <a:r>
+              <a:rPr lang="en-GB" altLang="en-US"/>
+              <a:t>Apache Spark </a:t>
+            </a:r>
+            <a:endParaRPr lang="en-GB" altLang="en-US"/>
+          </a:p>
+        </p:txBody>
+      </p:sp>
+      <p:pic>
+        <p:nvPicPr>
+          <p:cNvPr id="6" name="Picture 5"/>
+          <p:cNvPicPr/>
+          <p:nvPr/>
+        </p:nvPicPr>
+        <p:blipFill>
+          <a:blip r:embed="rId2"/>
+          <a:stretch>
+            <a:fillRect/>
+          </a:stretch>
+        </p:blipFill>
+        <p:spPr>
+          <a:xfrm>
+            <a:off x="8426450" y="126365"/>
+            <a:ext cx="3765550" cy="1802765"/>
+          </a:xfrm>
+          <a:prstGeom prst="rect">
+            <a:avLst/>
+          </a:prstGeom>
+        </p:spPr>
+      </p:pic>
+    </p:spTree>
+  </p:cSld>
+  <p:clrMapOvr>
+    <a:masterClrMapping/>
+  </p:clrMapOvr>
+</p:sld>
+</file>
+
+<file path=ppt/slides/slide8.xml><?xml version="1.0" encoding="utf-8"?>
+<p:sld xmlns:a="http://schemas.openxmlformats.org/drawingml/2006/main" xmlns:r="http://schemas.openxmlformats.org/officeDocument/2006/relationships" xmlns:p="http://schemas.openxmlformats.org/presentationml/2006/main">
+  <p:cSld>
+    <p:spTree>
+      <p:nvGrpSpPr>
+        <p:cNvPr id="1" name=""/>
+        <p:cNvGrpSpPr/>
+        <p:nvPr/>
+      </p:nvGrpSpPr>
+      <p:grpSpPr/>
+      <p:sp>
+        <p:nvSpPr>
+          <p:cNvPr id="2" name="Title 1"/>
+          <p:cNvSpPr>
+            <a:spLocks noGrp="1"/>
+          </p:cNvSpPr>
+          <p:nvPr>
+            <p:ph type="title"/>
+          </p:nvPr>
+        </p:nvSpPr>
+        <p:spPr/>
+        <p:txBody>
+          <a:bodyPr/>
+          <a:p>
+            <a:r>
+              <a:rPr lang="en-US" altLang="en-GB"/>
+              <a:t>Data Warehousing and Querying</a:t>
+            </a:r>
+            <a:endParaRPr lang="en-US" altLang="en-GB"/>
+          </a:p>
+        </p:txBody>
+      </p:sp>
+      <p:sp>
+        <p:nvSpPr>
+          <p:cNvPr id="3" name="Content Placeholder 2"/>
+          <p:cNvSpPr>
+            <a:spLocks noGrp="1"/>
+          </p:cNvSpPr>
+          <p:nvPr>
+            <p:ph idx="1"/>
+          </p:nvPr>
+        </p:nvSpPr>
+        <p:spPr/>
+        <p:txBody>
+          <a:bodyPr/>
+          <a:p>
+            <a:r>
+              <a:rPr lang="en-US" altLang="en-GB"/>
+              <a:t>Apache Hive – SQL-like querying on Hadoop.</a:t>
+            </a:r>
+            <a:endParaRPr lang="en-US" altLang="en-GB"/>
+          </a:p>
+          <a:p>
+            <a:r>
+              <a:rPr lang="en-US" altLang="en-GB"/>
+              <a:t>Presto (Trino) – High-performance distributed SQL query engine.</a:t>
+            </a:r>
+            <a:endParaRPr lang="en-US" altLang="en-GB"/>
+          </a:p>
+          <a:p>
+            <a:r>
+              <a:rPr lang="en-US" altLang="en-GB"/>
+              <a:t>Google BigQuery – Serverless data warehouse with fast SQL queries.</a:t>
+            </a:r>
+            <a:endParaRPr lang="en-US" altLang="en-GB"/>
+          </a:p>
+          <a:p>
+            <a:r>
+              <a:rPr lang="en-US" altLang="en-GB"/>
+              <a:t>Amazon Redshift – Cloud-based data warehouse.</a:t>
+            </a:r>
+            <a:endParaRPr lang="en-US" altLang="en-GB"/>
+          </a:p>
+        </p:txBody>
+      </p:sp>
+    </p:spTree>
+  </p:cSld>
+  <p:clrMapOvr>
+    <a:masterClrMapping/>
+  </p:clrMapOvr>
+</p:sld>
+</file>
+
+<file path=ppt/slides/slide9.xml><?xml version="1.0" encoding="utf-8"?>
 <p:sld xmlns:a="http://schemas.openxmlformats.org/drawingml/2006/main" xmlns:r="http://schemas.openxmlformats.org/officeDocument/2006/relationships" xmlns:p="http://schemas.openxmlformats.org/presentationml/2006/main">
   <p:cSld>
     <p:spTree>
@@ -4097,397 +4890,6 @@
           </a:prstGeom>
         </p:spPr>
       </p:pic>
-    </p:spTree>
-  </p:cSld>
-  <p:clrMapOvr>
-    <a:masterClrMapping/>
-  </p:clrMapOvr>
-</p:sld>
-</file>
-
-<file path=ppt/slides/slide6.xml><?xml version="1.0" encoding="utf-8"?>
-<p:sld xmlns:a="http://schemas.openxmlformats.org/drawingml/2006/main" xmlns:r="http://schemas.openxmlformats.org/officeDocument/2006/relationships" xmlns:p="http://schemas.openxmlformats.org/presentationml/2006/main">
-  <p:cSld>
-    <p:spTree>
-      <p:nvGrpSpPr>
-        <p:cNvPr id="1" name=""/>
-        <p:cNvGrpSpPr/>
-        <p:nvPr/>
-      </p:nvGrpSpPr>
-      <p:grpSpPr/>
-      <p:sp>
-        <p:nvSpPr>
-          <p:cNvPr id="2" name="Title 1"/>
-          <p:cNvSpPr>
-            <a:spLocks noGrp="1"/>
-          </p:cNvSpPr>
-          <p:nvPr>
-            <p:ph type="title"/>
-          </p:nvPr>
-        </p:nvSpPr>
-        <p:spPr/>
-        <p:txBody>
-          <a:bodyPr/>
-          <a:p>
-            <a:r>
-              <a:rPr lang="en-US" altLang="en-GB"/>
-              <a:t>NoSQL Databases</a:t>
-            </a:r>
-            <a:endParaRPr lang="en-US" altLang="en-GB"/>
-          </a:p>
-        </p:txBody>
-      </p:sp>
-      <p:sp>
-        <p:nvSpPr>
-          <p:cNvPr id="3" name="Content Placeholder 2"/>
-          <p:cNvSpPr>
-            <a:spLocks noGrp="1"/>
-          </p:cNvSpPr>
-          <p:nvPr>
-            <p:ph idx="1"/>
-          </p:nvPr>
-        </p:nvSpPr>
-        <p:spPr/>
-        <p:txBody>
-          <a:bodyPr/>
-          <a:p>
-            <a:r>
-              <a:rPr lang="en-US" altLang="en-GB"/>
-              <a:t>Apache Cassandra – Scalable NoSQL database for high availability.</a:t>
-            </a:r>
-            <a:endParaRPr lang="en-US" altLang="en-GB"/>
-          </a:p>
-          <a:p>
-            <a:r>
-              <a:rPr lang="en-US" altLang="en-GB"/>
-              <a:t>MongoDB – Document-oriented NoSQL database.</a:t>
-            </a:r>
-            <a:endParaRPr lang="en-US" altLang="en-GB"/>
-          </a:p>
-          <a:p>
-            <a:r>
-              <a:rPr lang="en-US" altLang="en-GB"/>
-              <a:t>HBase – Column-oriented NoSQL database on Hadoop.</a:t>
-            </a:r>
-            <a:endParaRPr lang="en-US" altLang="en-GB"/>
-          </a:p>
-          <a:p>
-            <a:r>
-              <a:rPr lang="en-US" altLang="en-GB"/>
-              <a:t>Amazon DynamoDB – Managed NoSQL database.</a:t>
-            </a:r>
-            <a:endParaRPr lang="en-US" altLang="en-GB"/>
-          </a:p>
-        </p:txBody>
-      </p:sp>
-      <p:pic>
-        <p:nvPicPr>
-          <p:cNvPr id="4" name="Picture 3"/>
-          <p:cNvPicPr/>
-          <p:nvPr/>
-        </p:nvPicPr>
-        <p:blipFill>
-          <a:blip r:embed="rId1"/>
-          <a:stretch>
-            <a:fillRect/>
-          </a:stretch>
-        </p:blipFill>
-        <p:spPr>
-          <a:xfrm>
-            <a:off x="1511300" y="4204335"/>
-            <a:ext cx="8502015" cy="1844040"/>
-          </a:xfrm>
-          <a:prstGeom prst="rect">
-            <a:avLst/>
-          </a:prstGeom>
-        </p:spPr>
-      </p:pic>
-    </p:spTree>
-  </p:cSld>
-  <p:clrMapOvr>
-    <a:masterClrMapping/>
-  </p:clrMapOvr>
-</p:sld>
-</file>
-
-<file path=ppt/slides/slide7.xml><?xml version="1.0" encoding="utf-8"?>
-<p:sld xmlns:a="http://schemas.openxmlformats.org/drawingml/2006/main" xmlns:r="http://schemas.openxmlformats.org/officeDocument/2006/relationships" xmlns:p="http://schemas.openxmlformats.org/presentationml/2006/main">
-  <p:cSld>
-    <p:spTree>
-      <p:nvGrpSpPr>
-        <p:cNvPr id="1" name=""/>
-        <p:cNvGrpSpPr/>
-        <p:nvPr/>
-      </p:nvGrpSpPr>
-      <p:grpSpPr/>
-      <p:sp>
-        <p:nvSpPr>
-          <p:cNvPr id="2" name="Title 1"/>
-          <p:cNvSpPr>
-            <a:spLocks noGrp="1"/>
-          </p:cNvSpPr>
-          <p:nvPr>
-            <p:ph type="title"/>
-          </p:nvPr>
-        </p:nvSpPr>
-        <p:spPr/>
-        <p:txBody>
-          <a:bodyPr/>
-          <a:p>
-            <a:r>
-              <a:rPr lang="en-US" altLang="en-GB"/>
-              <a:t>Machine Learning and AI on Big Data</a:t>
-            </a:r>
-            <a:endParaRPr lang="en-US" altLang="en-GB"/>
-          </a:p>
-        </p:txBody>
-      </p:sp>
-      <p:sp>
-        <p:nvSpPr>
-          <p:cNvPr id="3" name="Content Placeholder 2"/>
-          <p:cNvSpPr>
-            <a:spLocks noGrp="1"/>
-          </p:cNvSpPr>
-          <p:nvPr>
-            <p:ph idx="1"/>
-          </p:nvPr>
-        </p:nvSpPr>
-        <p:spPr/>
-        <p:txBody>
-          <a:bodyPr/>
-          <a:p>
-            <a:r>
-              <a:rPr lang="en-US" altLang="en-GB"/>
-              <a:t>MLlib (Apache Spark ML) – Scalable machine learning library.</a:t>
-            </a:r>
-            <a:endParaRPr lang="en-US" altLang="en-GB"/>
-          </a:p>
-          <a:p>
-            <a:r>
-              <a:rPr lang="en-US" altLang="en-GB"/>
-              <a:t>H2O.ai – Open-source AI and ML platform.</a:t>
-            </a:r>
-            <a:endParaRPr lang="en-US" altLang="en-GB"/>
-          </a:p>
-          <a:p>
-            <a:r>
-              <a:rPr lang="en-US" altLang="en-GB"/>
-              <a:t>TensorFlow on Apache Spark – Deep learning on big data.</a:t>
-            </a:r>
-            <a:endParaRPr lang="en-US" altLang="en-GB"/>
-          </a:p>
-          <a:p>
-            <a:r>
-              <a:rPr lang="en-US" altLang="en-GB"/>
-              <a:t>Hugging face Transformers </a:t>
-            </a:r>
-            <a:endParaRPr lang="en-US" altLang="en-GB"/>
-          </a:p>
-        </p:txBody>
-      </p:sp>
-      <p:pic>
-        <p:nvPicPr>
-          <p:cNvPr id="4" name="Picture 3"/>
-          <p:cNvPicPr/>
-          <p:nvPr/>
-        </p:nvPicPr>
-        <p:blipFill>
-          <a:blip r:embed="rId1"/>
-          <a:stretch>
-            <a:fillRect/>
-          </a:stretch>
-        </p:blipFill>
-        <p:spPr>
-          <a:xfrm>
-            <a:off x="5175250" y="4203065"/>
-            <a:ext cx="3763645" cy="2405380"/>
-          </a:xfrm>
-          <a:prstGeom prst="rect">
-            <a:avLst/>
-          </a:prstGeom>
-        </p:spPr>
-      </p:pic>
-    </p:spTree>
-  </p:cSld>
-  <p:clrMapOvr>
-    <a:masterClrMapping/>
-  </p:clrMapOvr>
-</p:sld>
-</file>
-
-<file path=ppt/slides/slide8.xml><?xml version="1.0" encoding="utf-8"?>
-<p:sld xmlns:a="http://schemas.openxmlformats.org/drawingml/2006/main" xmlns:r="http://schemas.openxmlformats.org/officeDocument/2006/relationships" xmlns:p="http://schemas.openxmlformats.org/presentationml/2006/main">
-  <p:cSld>
-    <p:spTree>
-      <p:nvGrpSpPr>
-        <p:cNvPr id="1" name=""/>
-        <p:cNvGrpSpPr/>
-        <p:nvPr/>
-      </p:nvGrpSpPr>
-      <p:grpSpPr/>
-      <p:sp>
-        <p:nvSpPr>
-          <p:cNvPr id="2" name="Title 1"/>
-          <p:cNvSpPr>
-            <a:spLocks noGrp="1"/>
-          </p:cNvSpPr>
-          <p:nvPr>
-            <p:ph type="title"/>
-          </p:nvPr>
-        </p:nvSpPr>
-        <p:spPr/>
-        <p:txBody>
-          <a:bodyPr/>
-          <a:p>
-            <a:r>
-              <a:rPr lang="en-US" altLang="en-GB"/>
-              <a:t>Data Visualization and BI</a:t>
-            </a:r>
-            <a:endParaRPr lang="en-US" altLang="en-GB"/>
-          </a:p>
-        </p:txBody>
-      </p:sp>
-      <p:sp>
-        <p:nvSpPr>
-          <p:cNvPr id="3" name="Content Placeholder 2"/>
-          <p:cNvSpPr>
-            <a:spLocks noGrp="1"/>
-          </p:cNvSpPr>
-          <p:nvPr>
-            <p:ph idx="1"/>
-          </p:nvPr>
-        </p:nvSpPr>
-        <p:spPr/>
-        <p:txBody>
-          <a:bodyPr/>
-          <a:p>
-            <a:r>
-              <a:rPr lang="en-US" altLang="en-GB"/>
-              <a:t>Tableau – Interactive data visualization.</a:t>
-            </a:r>
-            <a:endParaRPr lang="en-US" altLang="en-GB"/>
-          </a:p>
-          <a:p>
-            <a:r>
-              <a:rPr lang="en-US" altLang="en-GB"/>
-              <a:t>Power BI – Business intelligence and reporting.</a:t>
-            </a:r>
-            <a:endParaRPr lang="en-US" altLang="en-GB"/>
-          </a:p>
-          <a:p>
-            <a:r>
-              <a:rPr lang="en-US" altLang="en-GB"/>
-              <a:t>Apache Superset – Open-source BI tool.</a:t>
-            </a:r>
-            <a:endParaRPr lang="en-US" altLang="en-GB"/>
-          </a:p>
-        </p:txBody>
-      </p:sp>
-    </p:spTree>
-  </p:cSld>
-  <p:clrMapOvr>
-    <a:masterClrMapping/>
-  </p:clrMapOvr>
-</p:sld>
-</file>
-
-<file path=ppt/slides/slide9.xml><?xml version="1.0" encoding="utf-8"?>
-<p:sld xmlns:a="http://schemas.openxmlformats.org/drawingml/2006/main" xmlns:r="http://schemas.openxmlformats.org/officeDocument/2006/relationships" xmlns:p="http://schemas.openxmlformats.org/presentationml/2006/main">
-  <p:cSld>
-    <p:spTree>
-      <p:nvGrpSpPr>
-        <p:cNvPr id="1" name=""/>
-        <p:cNvGrpSpPr/>
-        <p:nvPr/>
-      </p:nvGrpSpPr>
-      <p:grpSpPr/>
-      <p:sp>
-        <p:nvSpPr>
-          <p:cNvPr id="2" name="Title 1"/>
-          <p:cNvSpPr>
-            <a:spLocks noGrp="1"/>
-          </p:cNvSpPr>
-          <p:nvPr>
-            <p:ph type="title"/>
-          </p:nvPr>
-        </p:nvSpPr>
-        <p:spPr/>
-        <p:txBody>
-          <a:bodyPr>
-            <a:normAutofit fontScale="90000"/>
-          </a:bodyPr>
-          <a:p>
-            <a:r>
-              <a:rPr lang="en-US" altLang="en-GB"/>
-              <a:t>Focus on user-friendly tools that illustrate key big data concepts</a:t>
-            </a:r>
-            <a:endParaRPr lang="en-US" altLang="en-GB"/>
-          </a:p>
-        </p:txBody>
-      </p:sp>
-      <p:sp>
-        <p:nvSpPr>
-          <p:cNvPr id="3" name="Content Placeholder 2"/>
-          <p:cNvSpPr>
-            <a:spLocks noGrp="1"/>
-          </p:cNvSpPr>
-          <p:nvPr>
-            <p:ph idx="1"/>
-          </p:nvPr>
-        </p:nvSpPr>
-        <p:spPr/>
-        <p:txBody>
-          <a:bodyPr>
-            <a:normAutofit/>
-          </a:bodyPr>
-          <a:p>
-            <a:r>
-              <a:rPr lang="en-US" altLang="en-GB"/>
-              <a:t>1. Data Storage &amp; Processing</a:t>
-            </a:r>
-            <a:endParaRPr lang="en-US" altLang="en-GB"/>
-          </a:p>
-          <a:p>
-            <a:pPr lvl="1"/>
-            <a:r>
-              <a:rPr lang="en-US" altLang="en-GB"/>
-              <a:t>Google Colab + PySpark – Allows running Spark without installation, making it easy to demonstrate distributed computing concepts.</a:t>
-            </a:r>
-            <a:endParaRPr lang="en-US" altLang="en-GB"/>
-          </a:p>
-          <a:p>
-            <a:pPr lvl="1"/>
-            <a:r>
-              <a:rPr lang="en-US" altLang="en-GB"/>
-              <a:t>Apache Hadoop (HDFS + MapReduce concepts) – Use a simple local setup (e.g., Dockerized Hadoop) to introduce batch processing.</a:t>
-            </a:r>
-            <a:endParaRPr lang="en-US" altLang="en-GB"/>
-          </a:p>
-          <a:p>
-            <a:r>
-              <a:rPr lang="en-US" altLang="en-GB"/>
-              <a:t>2. Data Querying &amp; Warehousing</a:t>
-            </a:r>
-            <a:endParaRPr lang="en-US" altLang="en-GB"/>
-          </a:p>
-          <a:p>
-            <a:pPr lvl="1"/>
-            <a:r>
-              <a:rPr lang="en-US" altLang="en-GB"/>
-              <a:t>Google BigQuery – Serverless SQL-based querying with a free tier, making it great for demonstrating big data queries without setup hassle.</a:t>
-            </a:r>
-            <a:endParaRPr lang="en-US" altLang="en-GB"/>
-          </a:p>
-          <a:p>
-            <a:pPr lvl="1"/>
-            <a:r>
-              <a:rPr lang="en-US" altLang="en-GB"/>
-              <a:t>Apache Hive (via cloud platforms) – Helps explain SQL over big data.</a:t>
-            </a:r>
-            <a:endParaRPr lang="en-US" altLang="en-GB"/>
-          </a:p>
-        </p:txBody>
-      </p:sp>
     </p:spTree>
   </p:cSld>
   <p:clrMapOvr>

--- a/materials/PPT slides/07 EDABDC - Big Data Tools.pptx
+++ b/materials/PPT slides/07 EDABDC - Big Data Tools.pptx
@@ -5,25 +5,26 @@
     <p:sldMasterId id="2147483648" r:id="rId1"/>
   </p:sldMasterIdLst>
   <p:notesMasterIdLst>
-    <p:notesMasterId r:id="rId19"/>
+    <p:notesMasterId r:id="rId20"/>
   </p:notesMasterIdLst>
   <p:sldIdLst>
     <p:sldId id="256" r:id="rId3"/>
     <p:sldId id="315" r:id="rId4"/>
     <p:sldId id="316" r:id="rId5"/>
     <p:sldId id="327" r:id="rId6"/>
-    <p:sldId id="328" r:id="rId7"/>
-    <p:sldId id="329" r:id="rId8"/>
-    <p:sldId id="330" r:id="rId9"/>
-    <p:sldId id="317" r:id="rId10"/>
-    <p:sldId id="318" r:id="rId11"/>
-    <p:sldId id="319" r:id="rId12"/>
-    <p:sldId id="320" r:id="rId13"/>
-    <p:sldId id="321" r:id="rId14"/>
-    <p:sldId id="322" r:id="rId15"/>
-    <p:sldId id="323" r:id="rId16"/>
-    <p:sldId id="325" r:id="rId17"/>
-    <p:sldId id="314" r:id="rId18"/>
+    <p:sldId id="330" r:id="rId7"/>
+    <p:sldId id="328" r:id="rId8"/>
+    <p:sldId id="329" r:id="rId9"/>
+    <p:sldId id="340" r:id="rId10"/>
+    <p:sldId id="317" r:id="rId11"/>
+    <p:sldId id="318" r:id="rId12"/>
+    <p:sldId id="319" r:id="rId13"/>
+    <p:sldId id="320" r:id="rId14"/>
+    <p:sldId id="321" r:id="rId15"/>
+    <p:sldId id="322" r:id="rId16"/>
+    <p:sldId id="323" r:id="rId17"/>
+    <p:sldId id="325" r:id="rId18"/>
+    <p:sldId id="314" r:id="rId19"/>
   </p:sldIdLst>
   <p:sldSz cx="12192000" cy="6858000"/>
   <p:notesSz cx="6858000" cy="9144000"/>
@@ -3392,6 +3393,134 @@
           <a:p>
             <a:r>
               <a:rPr lang="en-US" altLang="en-GB"/>
+              <a:t>Data Ingestion and ETL</a:t>
+            </a:r>
+            <a:endParaRPr lang="en-US" altLang="en-GB"/>
+          </a:p>
+        </p:txBody>
+      </p:sp>
+      <p:sp>
+        <p:nvSpPr>
+          <p:cNvPr id="3" name="Content Placeholder 2"/>
+          <p:cNvSpPr>
+            <a:spLocks noGrp="1"/>
+          </p:cNvSpPr>
+          <p:nvPr>
+            <p:ph idx="1"/>
+          </p:nvPr>
+        </p:nvSpPr>
+        <p:spPr/>
+        <p:txBody>
+          <a:bodyPr/>
+          <a:p>
+            <a:r>
+              <a:rPr lang="en-US" altLang="en-GB"/>
+              <a:t>Apache Kafka – Real-time event streaming platform.</a:t>
+            </a:r>
+            <a:endParaRPr lang="en-US" altLang="en-GB"/>
+          </a:p>
+          <a:p>
+            <a:r>
+              <a:rPr lang="en-US" altLang="en-GB"/>
+              <a:t>Apache NiFi – Data flow automation and management.</a:t>
+            </a:r>
+            <a:endParaRPr lang="en-US" altLang="en-GB"/>
+          </a:p>
+          <a:p>
+            <a:r>
+              <a:rPr lang="en-US" altLang="en-GB"/>
+              <a:t>Airflow – Workflow automation and scheduling.</a:t>
+            </a:r>
+            <a:endParaRPr lang="en-US" altLang="en-GB"/>
+          </a:p>
+          <a:p>
+            <a:r>
+              <a:rPr lang="en-US" altLang="en-GB"/>
+              <a:t>Talend – ETL and data integration platform.</a:t>
+            </a:r>
+            <a:endParaRPr lang="en-US" altLang="en-GB"/>
+          </a:p>
+        </p:txBody>
+      </p:sp>
+      <p:pic>
+        <p:nvPicPr>
+          <p:cNvPr id="4" name="Picture 3"/>
+          <p:cNvPicPr/>
+          <p:nvPr/>
+        </p:nvPicPr>
+        <p:blipFill>
+          <a:blip r:embed="rId1"/>
+          <a:stretch>
+            <a:fillRect/>
+          </a:stretch>
+        </p:blipFill>
+        <p:spPr>
+          <a:xfrm>
+            <a:off x="838200" y="4022090"/>
+            <a:ext cx="2385060" cy="2614930"/>
+          </a:xfrm>
+          <a:prstGeom prst="rect">
+            <a:avLst/>
+          </a:prstGeom>
+        </p:spPr>
+      </p:pic>
+      <p:pic>
+        <p:nvPicPr>
+          <p:cNvPr id="5" name="Picture 4"/>
+          <p:cNvPicPr/>
+          <p:nvPr/>
+        </p:nvPicPr>
+        <p:blipFill>
+          <a:blip r:embed="rId2"/>
+          <a:srcRect l="28000" r="36193"/>
+          <a:stretch>
+            <a:fillRect/>
+          </a:stretch>
+        </p:blipFill>
+        <p:spPr>
+          <a:xfrm>
+            <a:off x="8683625" y="3509645"/>
+            <a:ext cx="3129280" cy="3064510"/>
+          </a:xfrm>
+          <a:prstGeom prst="rect">
+            <a:avLst/>
+          </a:prstGeom>
+        </p:spPr>
+      </p:pic>
+    </p:spTree>
+  </p:cSld>
+  <p:clrMapOvr>
+    <a:masterClrMapping/>
+  </p:clrMapOvr>
+</p:sld>
+</file>
+
+<file path=ppt/slides/slide11.xml><?xml version="1.0" encoding="utf-8"?>
+<p:sld xmlns:a="http://schemas.openxmlformats.org/drawingml/2006/main" xmlns:r="http://schemas.openxmlformats.org/officeDocument/2006/relationships" xmlns:p="http://schemas.openxmlformats.org/presentationml/2006/main">
+  <p:cSld>
+    <p:spTree>
+      <p:nvGrpSpPr>
+        <p:cNvPr id="1" name=""/>
+        <p:cNvGrpSpPr/>
+        <p:nvPr/>
+      </p:nvGrpSpPr>
+      <p:grpSpPr/>
+      <p:sp>
+        <p:nvSpPr>
+          <p:cNvPr id="2" name="Title 1"/>
+          <p:cNvSpPr>
+            <a:spLocks noGrp="1"/>
+          </p:cNvSpPr>
+          <p:nvPr>
+            <p:ph type="title"/>
+          </p:nvPr>
+        </p:nvSpPr>
+        <p:spPr/>
+        <p:txBody>
+          <a:bodyPr/>
+          <a:p>
+            <a:r>
+              <a:rPr lang="en-US" altLang="en-GB"/>
               <a:t>NoSQL Databases</a:t>
             </a:r>
             <a:endParaRPr lang="en-US" altLang="en-GB"/>
@@ -3471,7 +3600,7 @@
 </p:sld>
 </file>
 
-<file path=ppt/slides/slide11.xml><?xml version="1.0" encoding="utf-8"?>
+<file path=ppt/slides/slide12.xml><?xml version="1.0" encoding="utf-8"?>
 <p:sld xmlns:a="http://schemas.openxmlformats.org/drawingml/2006/main" xmlns:r="http://schemas.openxmlformats.org/officeDocument/2006/relationships" xmlns:p="http://schemas.openxmlformats.org/presentationml/2006/main">
   <p:cSld>
     <p:spTree>
@@ -3576,82 +3705,6 @@
 </p:sld>
 </file>
 
-<file path=ppt/slides/slide12.xml><?xml version="1.0" encoding="utf-8"?>
-<p:sld xmlns:a="http://schemas.openxmlformats.org/drawingml/2006/main" xmlns:r="http://schemas.openxmlformats.org/officeDocument/2006/relationships" xmlns:p="http://schemas.openxmlformats.org/presentationml/2006/main">
-  <p:cSld>
-    <p:spTree>
-      <p:nvGrpSpPr>
-        <p:cNvPr id="1" name=""/>
-        <p:cNvGrpSpPr/>
-        <p:nvPr/>
-      </p:nvGrpSpPr>
-      <p:grpSpPr/>
-      <p:sp>
-        <p:nvSpPr>
-          <p:cNvPr id="2" name="Title 1"/>
-          <p:cNvSpPr>
-            <a:spLocks noGrp="1"/>
-          </p:cNvSpPr>
-          <p:nvPr>
-            <p:ph type="title"/>
-          </p:nvPr>
-        </p:nvSpPr>
-        <p:spPr/>
-        <p:txBody>
-          <a:bodyPr/>
-          <a:p>
-            <a:r>
-              <a:rPr lang="en-US" altLang="en-GB"/>
-              <a:t>Data Visualization and BI</a:t>
-            </a:r>
-            <a:endParaRPr lang="en-US" altLang="en-GB"/>
-          </a:p>
-        </p:txBody>
-      </p:sp>
-      <p:sp>
-        <p:nvSpPr>
-          <p:cNvPr id="3" name="Content Placeholder 2"/>
-          <p:cNvSpPr>
-            <a:spLocks noGrp="1"/>
-          </p:cNvSpPr>
-          <p:nvPr>
-            <p:ph idx="1"/>
-          </p:nvPr>
-        </p:nvSpPr>
-        <p:spPr/>
-        <p:txBody>
-          <a:bodyPr/>
-          <a:p>
-            <a:r>
-              <a:rPr lang="en-US" altLang="en-GB"/>
-              <a:t>Tableau – Interactive data visualization.</a:t>
-            </a:r>
-            <a:endParaRPr lang="en-US" altLang="en-GB"/>
-          </a:p>
-          <a:p>
-            <a:r>
-              <a:rPr lang="en-US" altLang="en-GB"/>
-              <a:t>Power BI – Business intelligence and reporting.</a:t>
-            </a:r>
-            <a:endParaRPr lang="en-US" altLang="en-GB"/>
-          </a:p>
-          <a:p>
-            <a:r>
-              <a:rPr lang="en-US" altLang="en-GB"/>
-              <a:t>Apache Superset – Open-source BI tool.</a:t>
-            </a:r>
-            <a:endParaRPr lang="en-US" altLang="en-GB"/>
-          </a:p>
-        </p:txBody>
-      </p:sp>
-    </p:spTree>
-  </p:cSld>
-  <p:clrMapOvr>
-    <a:masterClrMapping/>
-  </p:clrMapOvr>
-</p:sld>
-</file>
-
 <file path=ppt/slides/slide13.xml><?xml version="1.0" encoding="utf-8"?>
 <p:sld xmlns:a="http://schemas.openxmlformats.org/drawingml/2006/main" xmlns:r="http://schemas.openxmlformats.org/officeDocument/2006/relationships" xmlns:p="http://schemas.openxmlformats.org/presentationml/2006/main">
   <p:cSld>
@@ -3674,13 +3727,11 @@
         </p:nvSpPr>
         <p:spPr/>
         <p:txBody>
-          <a:bodyPr>
-            <a:normAutofit fontScale="90000"/>
-          </a:bodyPr>
+          <a:bodyPr/>
           <a:p>
             <a:r>
               <a:rPr lang="en-US" altLang="en-GB"/>
-              <a:t>Focus on user-friendly tools that illustrate key big data concepts</a:t>
+              <a:t>Data Visualization and BI</a:t>
             </a:r>
             <a:endParaRPr lang="en-US" altLang="en-GB"/>
           </a:p>
@@ -3698,52 +3749,25 @@
         </p:nvSpPr>
         <p:spPr/>
         <p:txBody>
-          <a:bodyPr>
-            <a:normAutofit/>
-          </a:bodyPr>
+          <a:bodyPr/>
           <a:p>
             <a:r>
               <a:rPr lang="en-US" altLang="en-GB"/>
-              <a:t>1. Data Storage &amp; Processing</a:t>
-            </a:r>
-            <a:endParaRPr lang="en-US" altLang="en-GB"/>
-          </a:p>
-          <a:p>
-            <a:pPr lvl="1"/>
+              <a:t>Tableau – Interactive data visualization.</a:t>
+            </a:r>
+            <a:endParaRPr lang="en-US" altLang="en-GB"/>
+          </a:p>
+          <a:p>
             <a:r>
               <a:rPr lang="en-US" altLang="en-GB"/>
-              <a:t>Google Colab + PySpark – Allows running Spark without installation, making it easy to demonstrate distributed computing concepts.</a:t>
-            </a:r>
-            <a:endParaRPr lang="en-US" altLang="en-GB"/>
-          </a:p>
-          <a:p>
-            <a:pPr lvl="1"/>
+              <a:t>Power BI – Business intelligence and reporting.</a:t>
+            </a:r>
+            <a:endParaRPr lang="en-US" altLang="en-GB"/>
+          </a:p>
+          <a:p>
             <a:r>
               <a:rPr lang="en-US" altLang="en-GB"/>
-              <a:t>Apache Hadoop (HDFS + MapReduce concepts) – Use a simple local setup (e.g., Dockerized Hadoop) to introduce batch processing.</a:t>
-            </a:r>
-            <a:endParaRPr lang="en-US" altLang="en-GB"/>
-          </a:p>
-          <a:p>
-            <a:r>
-              <a:rPr lang="en-US" altLang="en-GB"/>
-              <a:t>2. Data Querying &amp; Warehousing</a:t>
-            </a:r>
-            <a:endParaRPr lang="en-US" altLang="en-GB"/>
-          </a:p>
-          <a:p>
-            <a:pPr lvl="1"/>
-            <a:r>
-              <a:rPr lang="en-US" altLang="en-GB"/>
-              <a:t>Google BigQuery – Serverless SQL-based querying with a free tier, making it great for demonstrating big data queries without setup hassle.</a:t>
-            </a:r>
-            <a:endParaRPr lang="en-US" altLang="en-GB"/>
-          </a:p>
-          <a:p>
-            <a:pPr lvl="1"/>
-            <a:r>
-              <a:rPr lang="en-US" altLang="en-GB"/>
-              <a:t>Apache Hive (via cloud platforms) – Helps explain SQL over big data.</a:t>
+              <a:t>Apache Superset – Open-source BI tool.</a:t>
             </a:r>
             <a:endParaRPr lang="en-US" altLang="en-GB"/>
           </a:p>
@@ -3784,12 +3808,10 @@
           </a:bodyPr>
           <a:p>
             <a:r>
-              <a:rPr lang="en-US" altLang="en-GB">
-                <a:sym typeface="+mn-ea"/>
-              </a:rPr>
+              <a:rPr lang="en-US" altLang="en-GB"/>
               <a:t>Focus on user-friendly tools that illustrate key big data concepts</a:t>
             </a:r>
-            <a:endParaRPr lang="en-GB" altLang="en-US"/>
+            <a:endParaRPr lang="en-US" altLang="en-GB"/>
           </a:p>
         </p:txBody>
       </p:sp>
@@ -3806,12 +3828,12 @@
         <p:spPr/>
         <p:txBody>
           <a:bodyPr>
-            <a:normAutofit fontScale="80000"/>
+            <a:normAutofit/>
           </a:bodyPr>
           <a:p>
             <a:r>
               <a:rPr lang="en-US" altLang="en-GB"/>
-              <a:t>3. Data Streaming &amp; Ingestion</a:t>
+              <a:t>1. Data Storage &amp; Processing</a:t>
             </a:r>
             <a:endParaRPr lang="en-US" altLang="en-GB"/>
           </a:p>
@@ -3819,7 +3841,7 @@
             <a:pPr lvl="1"/>
             <a:r>
               <a:rPr lang="en-US" altLang="en-GB"/>
-              <a:t>Apache Kafka (via Confluent Cloud or Docker) – Use simple producers/consumers to demonstrate real-time data streaming.</a:t>
+              <a:t>Google Colab + PySpark – Allows running Spark without installation, making it easy to demonstrate distributed computing concepts.</a:t>
             </a:r>
             <a:endParaRPr lang="en-US" altLang="en-GB"/>
           </a:p>
@@ -3827,14 +3849,14 @@
             <a:pPr lvl="1"/>
             <a:r>
               <a:rPr lang="en-US" altLang="en-GB"/>
-              <a:t>Apache NiFi – A low-code tool for data flow management, great for non-programmers.</a:t>
+              <a:t>Apache Hadoop (HDFS + MapReduce concepts) – Use a simple local setup (e.g., Dockerized Hadoop) to introduce batch processing.</a:t>
             </a:r>
             <a:endParaRPr lang="en-US" altLang="en-GB"/>
           </a:p>
           <a:p>
             <a:r>
               <a:rPr lang="en-US" altLang="en-GB"/>
-              <a:t>4. Data Visualization &amp; BI</a:t>
+              <a:t>2. Data Querying &amp; Warehousing</a:t>
             </a:r>
             <a:endParaRPr lang="en-US" altLang="en-GB"/>
           </a:p>
@@ -3842,7 +3864,7 @@
             <a:pPr lvl="1"/>
             <a:r>
               <a:rPr lang="en-US" altLang="en-GB"/>
-              <a:t>Power BI / Tableau (with Big Data sources like BigQuery or Hive) – Helps students see the impact of big data analysis visually.</a:t>
+              <a:t>Google BigQuery – Serverless SQL-based querying with a free tier, making it great for demonstrating big data queries without setup hassle.</a:t>
             </a:r>
             <a:endParaRPr lang="en-US" altLang="en-GB"/>
           </a:p>
@@ -3850,39 +3872,7 @@
             <a:pPr lvl="1"/>
             <a:r>
               <a:rPr lang="en-US" altLang="en-GB"/>
-              <a:t>Apache Superset – Open-source alternative to Tableau, useful for SQL-based exploration.</a:t>
-            </a:r>
-            <a:endParaRPr lang="en-US" altLang="en-GB"/>
-          </a:p>
-          <a:p>
-            <a:pPr lvl="0"/>
-            <a:r>
-              <a:rPr lang="en-US" altLang="en-GB"/>
-              <a:t>ML on Big data </a:t>
-            </a:r>
-            <a:endParaRPr lang="en-US" altLang="en-GB"/>
-          </a:p>
-          <a:p>
-            <a:pPr lvl="1"/>
-            <a:r>
-              <a:rPr lang="en-US" altLang="en-GB"/>
-              <a:t>MLlib (via PySpark on Google Colab) – Demonstrates scalable ML with minimal setup.</a:t>
-            </a:r>
-            <a:endParaRPr lang="en-US" altLang="en-GB"/>
-          </a:p>
-          <a:p>
-            <a:pPr lvl="1"/>
-            <a:r>
-              <a:rPr lang="en-US" altLang="en-GB"/>
-              <a:t>H2O.ai (AutoML features) – Helps students see AI applications without complex coding.</a:t>
-            </a:r>
-            <a:endParaRPr lang="en-US" altLang="en-GB"/>
-          </a:p>
-          <a:p>
-            <a:pPr lvl="1"/>
-            <a:r>
-              <a:rPr lang="en-US" altLang="en-GB"/>
-              <a:t>Hugging face Transformers on Colab </a:t>
+              <a:t>Apache Hive (via cloud platforms) – Helps explain SQL over big data.</a:t>
             </a:r>
             <a:endParaRPr lang="en-US" altLang="en-GB"/>
           </a:p>
@@ -3897,6 +3887,145 @@
 </file>
 
 <file path=ppt/slides/slide15.xml><?xml version="1.0" encoding="utf-8"?>
+<p:sld xmlns:a="http://schemas.openxmlformats.org/drawingml/2006/main" xmlns:r="http://schemas.openxmlformats.org/officeDocument/2006/relationships" xmlns:p="http://schemas.openxmlformats.org/presentationml/2006/main">
+  <p:cSld>
+    <p:spTree>
+      <p:nvGrpSpPr>
+        <p:cNvPr id="1" name=""/>
+        <p:cNvGrpSpPr/>
+        <p:nvPr/>
+      </p:nvGrpSpPr>
+      <p:grpSpPr/>
+      <p:sp>
+        <p:nvSpPr>
+          <p:cNvPr id="2" name="Title 1"/>
+          <p:cNvSpPr>
+            <a:spLocks noGrp="1"/>
+          </p:cNvSpPr>
+          <p:nvPr>
+            <p:ph type="title"/>
+          </p:nvPr>
+        </p:nvSpPr>
+        <p:spPr/>
+        <p:txBody>
+          <a:bodyPr>
+            <a:normAutofit fontScale="90000"/>
+          </a:bodyPr>
+          <a:p>
+            <a:r>
+              <a:rPr lang="en-US" altLang="en-GB">
+                <a:sym typeface="+mn-ea"/>
+              </a:rPr>
+              <a:t>Focus on user-friendly tools that illustrate key big data concepts</a:t>
+            </a:r>
+            <a:endParaRPr lang="en-GB" altLang="en-US"/>
+          </a:p>
+        </p:txBody>
+      </p:sp>
+      <p:sp>
+        <p:nvSpPr>
+          <p:cNvPr id="3" name="Content Placeholder 2"/>
+          <p:cNvSpPr>
+            <a:spLocks noGrp="1"/>
+          </p:cNvSpPr>
+          <p:nvPr>
+            <p:ph idx="1"/>
+          </p:nvPr>
+        </p:nvSpPr>
+        <p:spPr/>
+        <p:txBody>
+          <a:bodyPr>
+            <a:normAutofit fontScale="80000"/>
+          </a:bodyPr>
+          <a:p>
+            <a:r>
+              <a:rPr lang="en-US" altLang="en-GB"/>
+              <a:t>3. Data Streaming &amp; Ingestion</a:t>
+            </a:r>
+            <a:endParaRPr lang="en-US" altLang="en-GB"/>
+          </a:p>
+          <a:p>
+            <a:pPr lvl="1"/>
+            <a:r>
+              <a:rPr lang="en-US" altLang="en-GB"/>
+              <a:t>Apache Kafka (via Confluent Cloud or Docker) – Use simple producers/consumers to demonstrate real-time data streaming.</a:t>
+            </a:r>
+            <a:endParaRPr lang="en-US" altLang="en-GB"/>
+          </a:p>
+          <a:p>
+            <a:pPr lvl="1"/>
+            <a:r>
+              <a:rPr lang="en-US" altLang="en-GB"/>
+              <a:t>Apache NiFi – A low-code tool for data flow management, great for non-programmers.</a:t>
+            </a:r>
+            <a:endParaRPr lang="en-US" altLang="en-GB"/>
+          </a:p>
+          <a:p>
+            <a:r>
+              <a:rPr lang="en-US" altLang="en-GB"/>
+              <a:t>4. Data Visualization &amp; BI</a:t>
+            </a:r>
+            <a:endParaRPr lang="en-US" altLang="en-GB"/>
+          </a:p>
+          <a:p>
+            <a:pPr lvl="1"/>
+            <a:r>
+              <a:rPr lang="en-US" altLang="en-GB"/>
+              <a:t>Power BI / Tableau (with Big Data sources like BigQuery or Hive) – Helps students see the impact of big data analysis visually.</a:t>
+            </a:r>
+            <a:endParaRPr lang="en-US" altLang="en-GB"/>
+          </a:p>
+          <a:p>
+            <a:pPr lvl="1"/>
+            <a:r>
+              <a:rPr lang="en-US" altLang="en-GB"/>
+              <a:t>Apache Superset – Open-source alternative to Tableau, useful for SQL-based exploration.</a:t>
+            </a:r>
+            <a:endParaRPr lang="en-US" altLang="en-GB"/>
+          </a:p>
+          <a:p>
+            <a:pPr lvl="0"/>
+            <a:r>
+              <a:rPr lang="en-US" altLang="en-GB"/>
+              <a:t>ML on Big data </a:t>
+            </a:r>
+            <a:endParaRPr lang="en-US" altLang="en-GB"/>
+          </a:p>
+          <a:p>
+            <a:pPr lvl="1"/>
+            <a:r>
+              <a:rPr lang="en-US" altLang="en-GB"/>
+              <a:t>MLlib (via PySpark on Google Colab) – Demonstrates scalable ML with minimal setup.</a:t>
+            </a:r>
+            <a:endParaRPr lang="en-US" altLang="en-GB"/>
+          </a:p>
+          <a:p>
+            <a:pPr lvl="1"/>
+            <a:r>
+              <a:rPr lang="en-US" altLang="en-GB"/>
+              <a:t>H2O.ai (AutoML features) – Helps students see AI applications without complex coding.</a:t>
+            </a:r>
+            <a:endParaRPr lang="en-US" altLang="en-GB"/>
+          </a:p>
+          <a:p>
+            <a:pPr lvl="1"/>
+            <a:r>
+              <a:rPr lang="en-US" altLang="en-GB"/>
+              <a:t>Hugging face Transformers on Colab </a:t>
+            </a:r>
+            <a:endParaRPr lang="en-US" altLang="en-GB"/>
+          </a:p>
+        </p:txBody>
+      </p:sp>
+    </p:spTree>
+  </p:cSld>
+  <p:clrMapOvr>
+    <a:masterClrMapping/>
+  </p:clrMapOvr>
+</p:sld>
+</file>
+
+<file path=ppt/slides/slide16.xml><?xml version="1.0" encoding="utf-8"?>
 <p:sld xmlns:a="http://schemas.openxmlformats.org/drawingml/2006/main" xmlns:r="http://schemas.openxmlformats.org/officeDocument/2006/relationships" xmlns:p="http://schemas.openxmlformats.org/presentationml/2006/main">
   <p:cSld>
     <p:spTree>
@@ -3972,7 +4101,7 @@
 </p:sld>
 </file>
 
-<file path=ppt/slides/slide16.xml><?xml version="1.0" encoding="utf-8"?>
+<file path=ppt/slides/slide17.xml><?xml version="1.0" encoding="utf-8"?>
 <p:sld xmlns:a="http://schemas.openxmlformats.org/drawingml/2006/main" xmlns:r="http://schemas.openxmlformats.org/officeDocument/2006/relationships" xmlns:p="http://schemas.openxmlformats.org/presentationml/2006/main">
   <p:cSld>
     <p:spTree>
@@ -4389,6 +4518,125 @@
         <p:nvPr/>
       </p:nvGrpSpPr>
       <p:grpSpPr/>
+      <p:pic>
+        <p:nvPicPr>
+          <p:cNvPr id="4" name="Picture 3"/>
+          <p:cNvPicPr>
+            <a:picLocks noChangeAspect="1"/>
+          </p:cNvPicPr>
+          <p:nvPr/>
+        </p:nvPicPr>
+        <p:blipFill>
+          <a:blip r:embed="rId1"/>
+          <a:stretch>
+            <a:fillRect/>
+          </a:stretch>
+        </p:blipFill>
+        <p:spPr>
+          <a:xfrm>
+            <a:off x="1755140" y="1637665"/>
+            <a:ext cx="7632065" cy="5161280"/>
+          </a:xfrm>
+          <a:prstGeom prst="rect">
+            <a:avLst/>
+          </a:prstGeom>
+        </p:spPr>
+      </p:pic>
+      <p:sp>
+        <p:nvSpPr>
+          <p:cNvPr id="5" name="Title 1"/>
+          <p:cNvSpPr>
+            <a:spLocks noGrp="1"/>
+          </p:cNvSpPr>
+          <p:nvPr/>
+        </p:nvSpPr>
+        <p:spPr>
+          <a:xfrm>
+            <a:off x="965200" y="492125"/>
+            <a:ext cx="10515600" cy="1325563"/>
+          </a:xfrm>
+          <a:prstGeom prst="rect">
+            <a:avLst/>
+          </a:prstGeom>
+        </p:spPr>
+        <p:txBody>
+          <a:bodyPr vert="horz" lIns="91440" tIns="45720" rIns="91440" bIns="45720" rtlCol="0" anchor="ctr">
+            <a:normAutofit/>
+          </a:bodyPr>
+          <a:lstStyle>
+            <a:lvl1pPr algn="l" defTabSz="914400" rtl="0" eaLnBrk="1" latinLnBrk="0" hangingPunct="1">
+              <a:lnSpc>
+                <a:spcPct val="90000"/>
+              </a:lnSpc>
+              <a:spcBef>
+                <a:spcPct val="0"/>
+              </a:spcBef>
+              <a:buNone/>
+              <a:defRPr sz="4400" kern="1200">
+                <a:solidFill>
+                  <a:schemeClr val="tx1"/>
+                </a:solidFill>
+                <a:latin typeface="+mj-lt"/>
+                <a:ea typeface="+mj-ea"/>
+                <a:cs typeface="+mj-cs"/>
+              </a:defRPr>
+            </a:lvl1pPr>
+          </a:lstStyle>
+          <a:p>
+            <a:r>
+              <a:rPr lang="en-GB" altLang="en-US"/>
+              <a:t>Apache </a:t>
+            </a:r>
+            <a:r>
+              <a:rPr lang="en-US" altLang="en-GB"/>
+              <a:t>Hadoop</a:t>
+            </a:r>
+            <a:endParaRPr lang="en-US" altLang="en-GB"/>
+          </a:p>
+        </p:txBody>
+      </p:sp>
+      <p:pic>
+        <p:nvPicPr>
+          <p:cNvPr id="2" name="Picture 1"/>
+          <p:cNvPicPr>
+            <a:picLocks noChangeAspect="1"/>
+          </p:cNvPicPr>
+          <p:nvPr/>
+        </p:nvPicPr>
+        <p:blipFill>
+          <a:blip r:embed="rId2"/>
+          <a:stretch>
+            <a:fillRect/>
+          </a:stretch>
+        </p:blipFill>
+        <p:spPr>
+          <a:xfrm>
+            <a:off x="9262110" y="95250"/>
+            <a:ext cx="2849245" cy="1865630"/>
+          </a:xfrm>
+          <a:prstGeom prst="rect">
+            <a:avLst/>
+          </a:prstGeom>
+        </p:spPr>
+      </p:pic>
+    </p:spTree>
+  </p:cSld>
+  <p:clrMapOvr>
+    <a:masterClrMapping/>
+  </p:clrMapOvr>
+</p:sld>
+</file>
+
+<file path=ppt/slides/slide6.xml><?xml version="1.0" encoding="utf-8"?>
+<p:sld xmlns:a="http://schemas.openxmlformats.org/drawingml/2006/main" xmlns:r="http://schemas.openxmlformats.org/officeDocument/2006/relationships" xmlns:p="http://schemas.openxmlformats.org/presentationml/2006/main">
+  <p:cSld>
+    <p:spTree>
+      <p:nvGrpSpPr>
+        <p:cNvPr id="1" name=""/>
+        <p:cNvGrpSpPr/>
+        <p:nvPr/>
+      </p:nvGrpSpPr>
+      <p:grpSpPr/>
       <p:sp>
         <p:nvSpPr>
           <p:cNvPr id="2" name="Title 1"/>
@@ -4463,7 +4711,7 @@
 </p:sld>
 </file>
 
-<file path=ppt/slides/slide6.xml><?xml version="1.0" encoding="utf-8"?>
+<file path=ppt/slides/slide7.xml><?xml version="1.0" encoding="utf-8"?>
 <p:sld xmlns:a="http://schemas.openxmlformats.org/drawingml/2006/main" xmlns:r="http://schemas.openxmlformats.org/officeDocument/2006/relationships" xmlns:p="http://schemas.openxmlformats.org/presentationml/2006/main">
   <p:cSld>
     <p:spTree>
@@ -4489,119 +4737,6 @@
           <a:xfrm>
             <a:off x="1895475" y="2232025"/>
             <a:ext cx="6563995" cy="4291330"/>
-          </a:xfrm>
-          <a:prstGeom prst="rect">
-            <a:avLst/>
-          </a:prstGeom>
-        </p:spPr>
-      </p:pic>
-      <p:sp>
-        <p:nvSpPr>
-          <p:cNvPr id="5" name="Title 1"/>
-          <p:cNvSpPr>
-            <a:spLocks noGrp="1"/>
-          </p:cNvSpPr>
-          <p:nvPr/>
-        </p:nvSpPr>
-        <p:spPr>
-          <a:xfrm>
-            <a:off x="965200" y="492125"/>
-            <a:ext cx="10515600" cy="1325563"/>
-          </a:xfrm>
-          <a:prstGeom prst="rect">
-            <a:avLst/>
-          </a:prstGeom>
-        </p:spPr>
-        <p:txBody>
-          <a:bodyPr vert="horz" lIns="91440" tIns="45720" rIns="91440" bIns="45720" rtlCol="0" anchor="ctr">
-            <a:normAutofit/>
-          </a:bodyPr>
-          <a:lstStyle>
-            <a:lvl1pPr algn="l" defTabSz="914400" rtl="0" eaLnBrk="1" latinLnBrk="0" hangingPunct="1">
-              <a:lnSpc>
-                <a:spcPct val="90000"/>
-              </a:lnSpc>
-              <a:spcBef>
-                <a:spcPct val="0"/>
-              </a:spcBef>
-              <a:buNone/>
-              <a:defRPr sz="4400" kern="1200">
-                <a:solidFill>
-                  <a:schemeClr val="tx1"/>
-                </a:solidFill>
-                <a:latin typeface="+mj-lt"/>
-                <a:ea typeface="+mj-ea"/>
-                <a:cs typeface="+mj-cs"/>
-              </a:defRPr>
-            </a:lvl1pPr>
-          </a:lstStyle>
-          <a:p>
-            <a:r>
-              <a:rPr lang="en-GB" altLang="en-US"/>
-              <a:t>Apache Spark </a:t>
-            </a:r>
-            <a:endParaRPr lang="en-GB" altLang="en-US"/>
-          </a:p>
-        </p:txBody>
-      </p:sp>
-      <p:pic>
-        <p:nvPicPr>
-          <p:cNvPr id="6" name="Picture 5"/>
-          <p:cNvPicPr/>
-          <p:nvPr/>
-        </p:nvPicPr>
-        <p:blipFill>
-          <a:blip r:embed="rId2"/>
-          <a:stretch>
-            <a:fillRect/>
-          </a:stretch>
-        </p:blipFill>
-        <p:spPr>
-          <a:xfrm>
-            <a:off x="8426450" y="126365"/>
-            <a:ext cx="3765550" cy="1802765"/>
-          </a:xfrm>
-          <a:prstGeom prst="rect">
-            <a:avLst/>
-          </a:prstGeom>
-        </p:spPr>
-      </p:pic>
-    </p:spTree>
-  </p:cSld>
-  <p:clrMapOvr>
-    <a:masterClrMapping/>
-  </p:clrMapOvr>
-</p:sld>
-</file>
-
-<file path=ppt/slides/slide7.xml><?xml version="1.0" encoding="utf-8"?>
-<p:sld xmlns:a="http://schemas.openxmlformats.org/drawingml/2006/main" xmlns:r="http://schemas.openxmlformats.org/officeDocument/2006/relationships" xmlns:p="http://schemas.openxmlformats.org/presentationml/2006/main">
-  <p:cSld>
-    <p:spTree>
-      <p:nvGrpSpPr>
-        <p:cNvPr id="1" name=""/>
-        <p:cNvGrpSpPr/>
-        <p:nvPr/>
-      </p:nvGrpSpPr>
-      <p:grpSpPr/>
-      <p:pic>
-        <p:nvPicPr>
-          <p:cNvPr id="4" name="Picture 3"/>
-          <p:cNvPicPr>
-            <a:picLocks noChangeAspect="1"/>
-          </p:cNvPicPr>
-          <p:nvPr/>
-        </p:nvPicPr>
-        <p:blipFill>
-          <a:blip r:embed="rId1"/>
-          <a:stretch>
-            <a:fillRect/>
-          </a:stretch>
-        </p:blipFill>
-        <p:spPr>
-          <a:xfrm>
-            <a:off x="1755140" y="1637665"/>
-            <a:ext cx="7632065" cy="5161280"/>
           </a:xfrm>
           <a:prstGeom prst="rect">
             <a:avLst/>
@@ -4711,11 +4846,7 @@
         <p:txBody>
           <a:bodyPr/>
           <a:p>
-            <a:r>
-              <a:rPr lang="en-US" altLang="en-GB"/>
-              <a:t>Data Warehousing and Querying</a:t>
-            </a:r>
-            <a:endParaRPr lang="en-US" altLang="en-GB"/>
+            <a:endParaRPr lang="en-GB" altLang="en-US"/>
           </a:p>
         </p:txBody>
       </p:sp>
@@ -4733,35 +4864,32 @@
         <p:txBody>
           <a:bodyPr/>
           <a:p>
-            <a:r>
-              <a:rPr lang="en-US" altLang="en-GB"/>
-              <a:t>Apache Hive – SQL-like querying on Hadoop.</a:t>
-            </a:r>
-            <a:endParaRPr lang="en-US" altLang="en-GB"/>
-          </a:p>
-          <a:p>
-            <a:r>
-              <a:rPr lang="en-US" altLang="en-GB"/>
-              <a:t>Presto (Trino) – High-performance distributed SQL query engine.</a:t>
-            </a:r>
-            <a:endParaRPr lang="en-US" altLang="en-GB"/>
-          </a:p>
-          <a:p>
-            <a:r>
-              <a:rPr lang="en-US" altLang="en-GB"/>
-              <a:t>Google BigQuery – Serverless data warehouse with fast SQL queries.</a:t>
-            </a:r>
-            <a:endParaRPr lang="en-US" altLang="en-GB"/>
-          </a:p>
-          <a:p>
-            <a:r>
-              <a:rPr lang="en-US" altLang="en-GB"/>
-              <a:t>Amazon Redshift – Cloud-based data warehouse.</a:t>
-            </a:r>
-            <a:endParaRPr lang="en-US" altLang="en-GB"/>
-          </a:p>
-        </p:txBody>
-      </p:sp>
+            <a:endParaRPr lang="en-GB" altLang="en-US"/>
+          </a:p>
+        </p:txBody>
+      </p:sp>
+      <p:pic>
+        <p:nvPicPr>
+          <p:cNvPr id="4" name="Picture 3"/>
+          <p:cNvPicPr/>
+          <p:nvPr/>
+        </p:nvPicPr>
+        <p:blipFill>
+          <a:blip r:embed="rId1"/>
+          <a:stretch>
+            <a:fillRect/>
+          </a:stretch>
+        </p:blipFill>
+        <p:spPr>
+          <a:xfrm>
+            <a:off x="838200" y="224155"/>
+            <a:ext cx="9880600" cy="6409055"/>
+          </a:xfrm>
+          <a:prstGeom prst="rect">
+            <a:avLst/>
+          </a:prstGeom>
+        </p:spPr>
+      </p:pic>
     </p:spTree>
   </p:cSld>
   <p:clrMapOvr>
@@ -4796,7 +4924,7 @@
           <a:p>
             <a:r>
               <a:rPr lang="en-US" altLang="en-GB"/>
-              <a:t>Data Ingestion and ETL</a:t>
+              <a:t>Data Warehousing and Querying</a:t>
             </a:r>
             <a:endParaRPr lang="en-US" altLang="en-GB"/>
           </a:p>
@@ -4818,78 +4946,33 @@
           <a:p>
             <a:r>
               <a:rPr lang="en-US" altLang="en-GB"/>
-              <a:t>Apache Kafka – Real-time event streaming platform.</a:t>
+              <a:t>Apache Hive – SQL-like querying on Hadoop.</a:t>
             </a:r>
             <a:endParaRPr lang="en-US" altLang="en-GB"/>
           </a:p>
           <a:p>
             <a:r>
               <a:rPr lang="en-US" altLang="en-GB"/>
-              <a:t>Apache NiFi – Data flow automation and management.</a:t>
+              <a:t>Presto (Trino) – High-performance distributed SQL query engine.</a:t>
             </a:r>
             <a:endParaRPr lang="en-US" altLang="en-GB"/>
           </a:p>
           <a:p>
             <a:r>
               <a:rPr lang="en-US" altLang="en-GB"/>
-              <a:t>Airflow – Workflow automation and scheduling.</a:t>
+              <a:t>Google BigQuery – Serverless data warehouse with fast SQL queries.</a:t>
             </a:r>
             <a:endParaRPr lang="en-US" altLang="en-GB"/>
           </a:p>
           <a:p>
             <a:r>
               <a:rPr lang="en-US" altLang="en-GB"/>
-              <a:t>Talend – ETL and data integration platform.</a:t>
-            </a:r>
-            <a:endParaRPr lang="en-US" altLang="en-GB"/>
-          </a:p>
-        </p:txBody>
-      </p:sp>
-      <p:pic>
-        <p:nvPicPr>
-          <p:cNvPr id="4" name="Picture 3"/>
-          <p:cNvPicPr/>
-          <p:nvPr/>
-        </p:nvPicPr>
-        <p:blipFill>
-          <a:blip r:embed="rId1"/>
-          <a:stretch>
-            <a:fillRect/>
-          </a:stretch>
-        </p:blipFill>
-        <p:spPr>
-          <a:xfrm>
-            <a:off x="838200" y="4022090"/>
-            <a:ext cx="2385060" cy="2614930"/>
-          </a:xfrm>
-          <a:prstGeom prst="rect">
-            <a:avLst/>
-          </a:prstGeom>
-        </p:spPr>
-      </p:pic>
-      <p:pic>
-        <p:nvPicPr>
-          <p:cNvPr id="5" name="Picture 4"/>
-          <p:cNvPicPr/>
-          <p:nvPr/>
-        </p:nvPicPr>
-        <p:blipFill>
-          <a:blip r:embed="rId2"/>
-          <a:srcRect l="28000" r="36193"/>
-          <a:stretch>
-            <a:fillRect/>
-          </a:stretch>
-        </p:blipFill>
-        <p:spPr>
-          <a:xfrm>
-            <a:off x="8683625" y="3509645"/>
-            <a:ext cx="3129280" cy="3064510"/>
-          </a:xfrm>
-          <a:prstGeom prst="rect">
-            <a:avLst/>
-          </a:prstGeom>
-        </p:spPr>
-      </p:pic>
+              <a:t>Amazon Redshift – Cloud-based data warehouse.</a:t>
+            </a:r>
+            <a:endParaRPr lang="en-US" altLang="en-GB"/>
+          </a:p>
+        </p:txBody>
+      </p:sp>
     </p:spTree>
   </p:cSld>
   <p:clrMapOvr>
